--- a/Day 13 (CSS)/CSS.pptx
+++ b/Day 13 (CSS)/CSS.pptx
@@ -5,7 +5,7 @@
     <p:sldMasterId id="2147483744" r:id="rId1"/>
   </p:sldMasterIdLst>
   <p:notesMasterIdLst>
-    <p:notesMasterId r:id="rId57"/>
+    <p:notesMasterId r:id="rId87"/>
   </p:notesMasterIdLst>
   <p:sldIdLst>
     <p:sldId id="892" r:id="rId2"/>
@@ -63,6 +63,36 @@
     <p:sldId id="921" r:id="rId54"/>
     <p:sldId id="922" r:id="rId55"/>
     <p:sldId id="923" r:id="rId56"/>
+    <p:sldId id="1152" r:id="rId57"/>
+    <p:sldId id="1154" r:id="rId58"/>
+    <p:sldId id="1155" r:id="rId59"/>
+    <p:sldId id="1156" r:id="rId60"/>
+    <p:sldId id="1151" r:id="rId61"/>
+    <p:sldId id="1157" r:id="rId62"/>
+    <p:sldId id="1158" r:id="rId63"/>
+    <p:sldId id="1159" r:id="rId64"/>
+    <p:sldId id="1125" r:id="rId65"/>
+    <p:sldId id="1126" r:id="rId66"/>
+    <p:sldId id="1127" r:id="rId67"/>
+    <p:sldId id="1070" r:id="rId68"/>
+    <p:sldId id="1121" r:id="rId69"/>
+    <p:sldId id="1062" r:id="rId70"/>
+    <p:sldId id="1063" r:id="rId71"/>
+    <p:sldId id="1064" r:id="rId72"/>
+    <p:sldId id="1123" r:id="rId73"/>
+    <p:sldId id="1072" r:id="rId74"/>
+    <p:sldId id="1073" r:id="rId75"/>
+    <p:sldId id="1074" r:id="rId76"/>
+    <p:sldId id="1139" r:id="rId77"/>
+    <p:sldId id="1088" r:id="rId78"/>
+    <p:sldId id="1131" r:id="rId79"/>
+    <p:sldId id="1084" r:id="rId80"/>
+    <p:sldId id="1085" r:id="rId81"/>
+    <p:sldId id="1086" r:id="rId82"/>
+    <p:sldId id="1087" r:id="rId83"/>
+    <p:sldId id="1115" r:id="rId84"/>
+    <p:sldId id="1132" r:id="rId85"/>
+    <p:sldId id="1116" r:id="rId86"/>
   </p:sldIdLst>
   <p:sldSz cx="12192000" cy="6858000"/>
   <p:notesSz cx="6858000" cy="9144000"/>
@@ -251,7 +281,7 @@
           <a:p>
             <a:fld id="{8CA78072-8BBF-4023-A4CF-D57E7AD8F0ED}" type="datetimeFigureOut">
               <a:rPr lang="en-US" smtClean="0"/>
-              <a:t>1/5/2022</a:t>
+              <a:t>1/6/2022</a:t>
             </a:fld>
             <a:endParaRPr lang="en-US"/>
           </a:p>
@@ -3438,7 +3468,7 @@
           <a:p>
             <a:fld id="{897EB990-0164-4E82-B468-F3EED43B3058}" type="datetimeFigureOut">
               <a:rPr lang="en-US" smtClean="0"/>
-              <a:t>1/5/2022</a:t>
+              <a:t>1/6/2022</a:t>
             </a:fld>
             <a:endParaRPr lang="en-US"/>
           </a:p>
@@ -3713,7 +3743,7 @@
           <a:p>
             <a:fld id="{897EB990-0164-4E82-B468-F3EED43B3058}" type="datetimeFigureOut">
               <a:rPr lang="en-US" smtClean="0"/>
-              <a:t>1/5/2022</a:t>
+              <a:t>1/6/2022</a:t>
             </a:fld>
             <a:endParaRPr lang="en-US"/>
           </a:p>
@@ -3907,7 +3937,7 @@
           <a:p>
             <a:fld id="{897EB990-0164-4E82-B468-F3EED43B3058}" type="datetimeFigureOut">
               <a:rPr lang="en-US" smtClean="0"/>
-              <a:t>1/5/2022</a:t>
+              <a:t>1/6/2022</a:t>
             </a:fld>
             <a:endParaRPr lang="en-US"/>
           </a:p>
@@ -4175,7 +4205,7 @@
           <a:p>
             <a:fld id="{897EB990-0164-4E82-B468-F3EED43B3058}" type="datetimeFigureOut">
               <a:rPr lang="en-US" smtClean="0"/>
-              <a:t>1/5/2022</a:t>
+              <a:t>1/6/2022</a:t>
             </a:fld>
             <a:endParaRPr lang="en-US"/>
           </a:p>
@@ -4507,7 +4537,7 @@
           <a:p>
             <a:fld id="{897EB990-0164-4E82-B468-F3EED43B3058}" type="datetimeFigureOut">
               <a:rPr lang="en-US" smtClean="0"/>
-              <a:t>1/5/2022</a:t>
+              <a:t>1/6/2022</a:t>
             </a:fld>
             <a:endParaRPr lang="en-US"/>
           </a:p>
@@ -5117,7 +5147,7 @@
           <a:p>
             <a:fld id="{897EB990-0164-4E82-B468-F3EED43B3058}" type="datetimeFigureOut">
               <a:rPr lang="en-US" smtClean="0"/>
-              <a:t>1/5/2022</a:t>
+              <a:t>1/6/2022</a:t>
             </a:fld>
             <a:endParaRPr lang="en-US"/>
           </a:p>
@@ -5964,7 +5994,7 @@
           <a:p>
             <a:fld id="{897EB990-0164-4E82-B468-F3EED43B3058}" type="datetimeFigureOut">
               <a:rPr lang="en-US" smtClean="0"/>
-              <a:t>1/5/2022</a:t>
+              <a:t>1/6/2022</a:t>
             </a:fld>
             <a:endParaRPr lang="en-US"/>
           </a:p>
@@ -6134,7 +6164,7 @@
           <a:p>
             <a:fld id="{897EB990-0164-4E82-B468-F3EED43B3058}" type="datetimeFigureOut">
               <a:rPr lang="en-US" smtClean="0"/>
-              <a:t>1/5/2022</a:t>
+              <a:t>1/6/2022</a:t>
             </a:fld>
             <a:endParaRPr lang="en-US"/>
           </a:p>
@@ -6314,7 +6344,7 @@
           <a:p>
             <a:fld id="{897EB990-0164-4E82-B468-F3EED43B3058}" type="datetimeFigureOut">
               <a:rPr lang="en-US" smtClean="0"/>
-              <a:t>1/5/2022</a:t>
+              <a:t>1/6/2022</a:t>
             </a:fld>
             <a:endParaRPr lang="en-US"/>
           </a:p>
@@ -6484,7 +6514,7 @@
           <a:p>
             <a:fld id="{897EB990-0164-4E82-B468-F3EED43B3058}" type="datetimeFigureOut">
               <a:rPr lang="en-US" smtClean="0"/>
-              <a:t>1/5/2022</a:t>
+              <a:t>1/6/2022</a:t>
             </a:fld>
             <a:endParaRPr lang="en-US"/>
           </a:p>
@@ -6728,7 +6758,7 @@
           <a:p>
             <a:fld id="{897EB990-0164-4E82-B468-F3EED43B3058}" type="datetimeFigureOut">
               <a:rPr lang="en-US" smtClean="0"/>
-              <a:t>1/5/2022</a:t>
+              <a:t>1/6/2022</a:t>
             </a:fld>
             <a:endParaRPr lang="en-US"/>
           </a:p>
@@ -7020,7 +7050,7 @@
           <a:p>
             <a:fld id="{897EB990-0164-4E82-B468-F3EED43B3058}" type="datetimeFigureOut">
               <a:rPr lang="en-US" smtClean="0"/>
-              <a:t>1/5/2022</a:t>
+              <a:t>1/6/2022</a:t>
             </a:fld>
             <a:endParaRPr lang="en-US"/>
           </a:p>
@@ -7458,7 +7488,7 @@
           <a:p>
             <a:fld id="{897EB990-0164-4E82-B468-F3EED43B3058}" type="datetimeFigureOut">
               <a:rPr lang="en-US" smtClean="0"/>
-              <a:t>1/5/2022</a:t>
+              <a:t>1/6/2022</a:t>
             </a:fld>
             <a:endParaRPr lang="en-US"/>
           </a:p>
@@ -7576,7 +7606,7 @@
           <a:p>
             <a:fld id="{897EB990-0164-4E82-B468-F3EED43B3058}" type="datetimeFigureOut">
               <a:rPr lang="en-US" smtClean="0"/>
-              <a:t>1/5/2022</a:t>
+              <a:t>1/6/2022</a:t>
             </a:fld>
             <a:endParaRPr lang="en-US"/>
           </a:p>
@@ -7671,7 +7701,7 @@
           <a:p>
             <a:fld id="{897EB990-0164-4E82-B468-F3EED43B3058}" type="datetimeFigureOut">
               <a:rPr lang="en-US" smtClean="0"/>
-              <a:t>1/5/2022</a:t>
+              <a:t>1/6/2022</a:t>
             </a:fld>
             <a:endParaRPr lang="en-US"/>
           </a:p>
@@ -7950,7 +7980,7 @@
           <a:p>
             <a:fld id="{897EB990-0164-4E82-B468-F3EED43B3058}" type="datetimeFigureOut">
               <a:rPr lang="en-US" smtClean="0"/>
-              <a:t>1/5/2022</a:t>
+              <a:t>1/6/2022</a:t>
             </a:fld>
             <a:endParaRPr lang="en-US"/>
           </a:p>
@@ -8225,7 +8255,7 @@
           <a:p>
             <a:fld id="{897EB990-0164-4E82-B468-F3EED43B3058}" type="datetimeFigureOut">
               <a:rPr lang="en-US" smtClean="0"/>
-              <a:t>1/5/2022</a:t>
+              <a:t>1/6/2022</a:t>
             </a:fld>
             <a:endParaRPr lang="en-US"/>
           </a:p>
@@ -8654,7 +8684,7 @@
           <a:p>
             <a:fld id="{897EB990-0164-4E82-B468-F3EED43B3058}" type="datetimeFigureOut">
               <a:rPr lang="en-US" smtClean="0"/>
-              <a:t>1/5/2022</a:t>
+              <a:t>1/6/2022</a:t>
             </a:fld>
             <a:endParaRPr lang="en-US"/>
           </a:p>
@@ -38521,6 +38551,480 @@
 </p:sld>
 </file>
 
+<file path=ppt/slides/slide56.xml><?xml version="1.0" encoding="utf-8"?>
+<p:sld xmlns:a="http://schemas.openxmlformats.org/drawingml/2006/main" xmlns:r="http://schemas.openxmlformats.org/officeDocument/2006/relationships" xmlns:p="http://schemas.openxmlformats.org/presentationml/2006/main">
+  <p:cSld>
+    <p:spTree>
+      <p:nvGrpSpPr>
+        <p:cNvPr id="1" name=""/>
+        <p:cNvGrpSpPr/>
+        <p:nvPr/>
+      </p:nvGrpSpPr>
+      <p:grpSpPr>
+        <a:xfrm>
+          <a:off x="0" y="0"/>
+          <a:ext cx="0" cy="0"/>
+          <a:chOff x="0" y="0"/>
+          <a:chExt cx="0" cy="0"/>
+        </a:xfrm>
+      </p:grpSpPr>
+      <p:sp>
+        <p:nvSpPr>
+          <p:cNvPr id="67586" name="Title 1">
+            <a:extLst>
+              <a:ext uri="{FF2B5EF4-FFF2-40B4-BE49-F238E27FC236}">
+                <a16:creationId xmlns:a16="http://schemas.microsoft.com/office/drawing/2014/main" id="{2DF23312-A406-42EA-B39D-E535225B46D4}"/>
+              </a:ext>
+            </a:extLst>
+          </p:cNvPr>
+          <p:cNvSpPr>
+            <a:spLocks noGrp="1"/>
+          </p:cNvSpPr>
+          <p:nvPr>
+            <p:ph type="title"/>
+          </p:nvPr>
+        </p:nvSpPr>
+        <p:spPr/>
+        <p:txBody>
+          <a:bodyPr/>
+          <a:lstStyle/>
+          <a:p>
+            <a:r>
+              <a:rPr lang="en-US" altLang="en-US"/>
+              <a:t>Cascade</a:t>
+            </a:r>
+          </a:p>
+        </p:txBody>
+      </p:sp>
+      <p:sp>
+        <p:nvSpPr>
+          <p:cNvPr id="67587" name="Content Placeholder 2">
+            <a:extLst>
+              <a:ext uri="{FF2B5EF4-FFF2-40B4-BE49-F238E27FC236}">
+                <a16:creationId xmlns:a16="http://schemas.microsoft.com/office/drawing/2014/main" id="{E378249B-4B78-4F75-9179-F112A3BD0780}"/>
+              </a:ext>
+            </a:extLst>
+          </p:cNvPr>
+          <p:cNvSpPr>
+            <a:spLocks noGrp="1"/>
+          </p:cNvSpPr>
+          <p:nvPr>
+            <p:ph idx="1"/>
+          </p:nvPr>
+        </p:nvSpPr>
+        <p:spPr/>
+        <p:txBody>
+          <a:bodyPr>
+            <a:normAutofit fontScale="92500"/>
+          </a:bodyPr>
+          <a:lstStyle/>
+          <a:p>
+            <a:r>
+              <a:rPr lang="en-US" altLang="en-US" dirty="0"/>
+              <a:t>The cascade sorts out all conflicts when multiple declarations would affect a given element.</a:t>
+            </a:r>
+          </a:p>
+          <a:p>
+            <a:endParaRPr lang="en-US" altLang="en-US" dirty="0"/>
+          </a:p>
+          <a:p>
+            <a:r>
+              <a:rPr lang="en-US" altLang="en-US" dirty="0"/>
+              <a:t> Important declarations will override less important ones.</a:t>
+            </a:r>
+          </a:p>
+          <a:p>
+            <a:endParaRPr lang="en-US" altLang="en-US" dirty="0"/>
+          </a:p>
+          <a:p>
+            <a:r>
+              <a:rPr lang="en-US" altLang="en-US" dirty="0"/>
+              <a:t> Among declarations with equal importance, the rule’s specificity controls which one will apply.</a:t>
+            </a:r>
+          </a:p>
+          <a:p>
+            <a:endParaRPr lang="en-US" altLang="en-US" dirty="0"/>
+          </a:p>
+          <a:p>
+            <a:r>
+              <a:rPr lang="en-US" altLang="en-US" dirty="0"/>
+              <a:t> And, all else being equal, the source order makes the final distinction.</a:t>
+            </a:r>
+          </a:p>
+          <a:p>
+            <a:pPr>
+              <a:buFontTx/>
+              <a:buNone/>
+            </a:pPr>
+            <a:br>
+              <a:rPr lang="en-US" altLang="en-US" dirty="0"/>
+            </a:br>
+            <a:endParaRPr lang="en-US" altLang="en-US" dirty="0"/>
+          </a:p>
+        </p:txBody>
+      </p:sp>
+    </p:spTree>
+  </p:cSld>
+  <p:clrMapOvr>
+    <a:masterClrMapping/>
+  </p:clrMapOvr>
+</p:sld>
+</file>
+
+<file path=ppt/slides/slide57.xml><?xml version="1.0" encoding="utf-8"?>
+<p:sld xmlns:a="http://schemas.openxmlformats.org/drawingml/2006/main" xmlns:r="http://schemas.openxmlformats.org/officeDocument/2006/relationships" xmlns:p="http://schemas.openxmlformats.org/presentationml/2006/main">
+  <p:cSld>
+    <p:spTree>
+      <p:nvGrpSpPr>
+        <p:cNvPr id="1" name=""/>
+        <p:cNvGrpSpPr/>
+        <p:nvPr/>
+      </p:nvGrpSpPr>
+      <p:grpSpPr>
+        <a:xfrm>
+          <a:off x="0" y="0"/>
+          <a:ext cx="0" cy="0"/>
+          <a:chOff x="0" y="0"/>
+          <a:chExt cx="0" cy="0"/>
+        </a:xfrm>
+      </p:grpSpPr>
+      <p:sp>
+        <p:nvSpPr>
+          <p:cNvPr id="68610" name="Title 1">
+            <a:extLst>
+              <a:ext uri="{FF2B5EF4-FFF2-40B4-BE49-F238E27FC236}">
+                <a16:creationId xmlns:a16="http://schemas.microsoft.com/office/drawing/2014/main" id="{89F24EBA-304F-43E0-9E69-3146FB2C2D4B}"/>
+              </a:ext>
+            </a:extLst>
+          </p:cNvPr>
+          <p:cNvSpPr>
+            <a:spLocks noGrp="1"/>
+          </p:cNvSpPr>
+          <p:nvPr>
+            <p:ph type="title"/>
+          </p:nvPr>
+        </p:nvSpPr>
+        <p:spPr/>
+        <p:txBody>
+          <a:bodyPr/>
+          <a:lstStyle/>
+          <a:p>
+            <a:r>
+              <a:rPr lang="en-US" altLang="en-US"/>
+              <a:t>Cascading</a:t>
+            </a:r>
+          </a:p>
+        </p:txBody>
+      </p:sp>
+      <p:sp>
+        <p:nvSpPr>
+          <p:cNvPr id="68611" name="Content Placeholder 2">
+            <a:extLst>
+              <a:ext uri="{FF2B5EF4-FFF2-40B4-BE49-F238E27FC236}">
+                <a16:creationId xmlns:a16="http://schemas.microsoft.com/office/drawing/2014/main" id="{AD2938F3-D511-4002-A971-6FC43DC67BCA}"/>
+              </a:ext>
+            </a:extLst>
+          </p:cNvPr>
+          <p:cNvSpPr>
+            <a:spLocks noGrp="1"/>
+          </p:cNvSpPr>
+          <p:nvPr>
+            <p:ph idx="1"/>
+          </p:nvPr>
+        </p:nvSpPr>
+        <p:spPr/>
+        <p:txBody>
+          <a:bodyPr>
+            <a:normAutofit lnSpcReduction="10000"/>
+          </a:bodyPr>
+          <a:lstStyle/>
+          <a:p>
+            <a:r>
+              <a:rPr lang="en-US" altLang="en-US"/>
+              <a:t>It’s the mechanism that controls the end result when multiple, conflicting CSS declarations apply to the same element. </a:t>
+            </a:r>
+          </a:p>
+          <a:p>
+            <a:endParaRPr lang="en-US" altLang="en-US"/>
+          </a:p>
+          <a:p>
+            <a:r>
+              <a:rPr lang="en-US" altLang="en-US"/>
+              <a:t>Its controlled by the order in which CSS declarations are applied:</a:t>
+            </a:r>
+          </a:p>
+          <a:p>
+            <a:endParaRPr lang="en-US" altLang="en-US"/>
+          </a:p>
+          <a:p>
+            <a:pPr lvl="1"/>
+            <a:r>
+              <a:rPr lang="en-US" altLang="en-US" sz="2400"/>
+              <a:t>Importance</a:t>
+            </a:r>
+          </a:p>
+          <a:p>
+            <a:pPr lvl="1"/>
+            <a:r>
+              <a:rPr lang="en-US" altLang="en-US" sz="2400"/>
+              <a:t>Specificity</a:t>
+            </a:r>
+          </a:p>
+          <a:p>
+            <a:pPr lvl="1"/>
+            <a:r>
+              <a:rPr lang="en-US" altLang="en-US" sz="2400"/>
+              <a:t>Source order</a:t>
+            </a:r>
+          </a:p>
+          <a:p>
+            <a:pPr>
+              <a:buFontTx/>
+              <a:buNone/>
+            </a:pPr>
+            <a:br>
+              <a:rPr lang="en-US" altLang="en-US"/>
+            </a:br>
+            <a:endParaRPr lang="en-US" altLang="en-US"/>
+          </a:p>
+        </p:txBody>
+      </p:sp>
+    </p:spTree>
+  </p:cSld>
+  <p:clrMapOvr>
+    <a:masterClrMapping/>
+  </p:clrMapOvr>
+</p:sld>
+</file>
+
+<file path=ppt/slides/slide58.xml><?xml version="1.0" encoding="utf-8"?>
+<p:sld xmlns:a="http://schemas.openxmlformats.org/drawingml/2006/main" xmlns:r="http://schemas.openxmlformats.org/officeDocument/2006/relationships" xmlns:p="http://schemas.openxmlformats.org/presentationml/2006/main">
+  <p:cSld>
+    <p:spTree>
+      <p:nvGrpSpPr>
+        <p:cNvPr id="1" name=""/>
+        <p:cNvGrpSpPr/>
+        <p:nvPr/>
+      </p:nvGrpSpPr>
+      <p:grpSpPr>
+        <a:xfrm>
+          <a:off x="0" y="0"/>
+          <a:ext cx="0" cy="0"/>
+          <a:chOff x="0" y="0"/>
+          <a:chExt cx="0" cy="0"/>
+        </a:xfrm>
+      </p:grpSpPr>
+      <p:sp>
+        <p:nvSpPr>
+          <p:cNvPr id="69634" name="Title 1">
+            <a:extLst>
+              <a:ext uri="{FF2B5EF4-FFF2-40B4-BE49-F238E27FC236}">
+                <a16:creationId xmlns:a16="http://schemas.microsoft.com/office/drawing/2014/main" id="{247B0ED1-14C0-4C34-852D-9F09CA307775}"/>
+              </a:ext>
+            </a:extLst>
+          </p:cNvPr>
+          <p:cNvSpPr>
+            <a:spLocks noGrp="1"/>
+          </p:cNvSpPr>
+          <p:nvPr>
+            <p:ph type="title"/>
+          </p:nvPr>
+        </p:nvSpPr>
+        <p:spPr/>
+        <p:txBody>
+          <a:bodyPr/>
+          <a:lstStyle/>
+          <a:p>
+            <a:br>
+              <a:rPr lang="en-US" altLang="en-US" b="1"/>
+            </a:br>
+            <a:r>
+              <a:rPr lang="en-US" altLang="en-US" b="1"/>
+              <a:t>Specificity</a:t>
+            </a:r>
+            <a:br>
+              <a:rPr lang="en-US" altLang="en-US" b="1"/>
+            </a:br>
+            <a:endParaRPr lang="en-US" altLang="en-US"/>
+          </a:p>
+        </p:txBody>
+      </p:sp>
+      <p:sp>
+        <p:nvSpPr>
+          <p:cNvPr id="69635" name="Content Placeholder 2">
+            <a:extLst>
+              <a:ext uri="{FF2B5EF4-FFF2-40B4-BE49-F238E27FC236}">
+                <a16:creationId xmlns:a16="http://schemas.microsoft.com/office/drawing/2014/main" id="{A65BBB05-C7CF-4DA6-9C2C-BE3E49EE4430}"/>
+              </a:ext>
+            </a:extLst>
+          </p:cNvPr>
+          <p:cNvSpPr>
+            <a:spLocks noGrp="1"/>
+          </p:cNvSpPr>
+          <p:nvPr>
+            <p:ph idx="1"/>
+          </p:nvPr>
+        </p:nvSpPr>
+        <p:spPr/>
+        <p:txBody>
+          <a:bodyPr>
+            <a:normAutofit fontScale="92500" lnSpcReduction="10000"/>
+          </a:bodyPr>
+          <a:lstStyle/>
+          <a:p>
+            <a:r>
+              <a:rPr lang="en-US" altLang="en-US"/>
+              <a:t>It can be thought of as a measure of how specific a rule’s selector is. </a:t>
+            </a:r>
+          </a:p>
+          <a:p>
+            <a:r>
+              <a:rPr lang="en-US" altLang="en-US"/>
+              <a:t>A selector with low specificity may match many elements (like * which matches every element in the document), </a:t>
+            </a:r>
+          </a:p>
+          <a:p>
+            <a:endParaRPr lang="en-US" altLang="en-US"/>
+          </a:p>
+          <a:p>
+            <a:r>
+              <a:rPr lang="en-US" altLang="en-US"/>
+              <a:t>while a selector with high specificity might only match a single element on a page (like #nav that only matches the element with an id of nav).</a:t>
+            </a:r>
+          </a:p>
+          <a:p>
+            <a:endParaRPr lang="en-US" altLang="en-US"/>
+          </a:p>
+          <a:p>
+            <a:r>
+              <a:rPr lang="en-US" altLang="en-US"/>
+              <a:t>If two or more declarations conflict for a given element, and all the declarations have the same importance, then the one in the rule with the most specific selector will “win”.</a:t>
+            </a:r>
+          </a:p>
+          <a:p>
+            <a:pPr>
+              <a:buFontTx/>
+              <a:buNone/>
+            </a:pPr>
+            <a:br>
+              <a:rPr lang="en-US" altLang="en-US"/>
+            </a:br>
+            <a:endParaRPr lang="en-US" altLang="en-US"/>
+          </a:p>
+        </p:txBody>
+      </p:sp>
+    </p:spTree>
+  </p:cSld>
+  <p:clrMapOvr>
+    <a:masterClrMapping/>
+  </p:clrMapOvr>
+</p:sld>
+</file>
+
+<file path=ppt/slides/slide59.xml><?xml version="1.0" encoding="utf-8"?>
+<p:sld xmlns:a="http://schemas.openxmlformats.org/drawingml/2006/main" xmlns:r="http://schemas.openxmlformats.org/officeDocument/2006/relationships" xmlns:p="http://schemas.openxmlformats.org/presentationml/2006/main">
+  <p:cSld>
+    <p:spTree>
+      <p:nvGrpSpPr>
+        <p:cNvPr id="1" name=""/>
+        <p:cNvGrpSpPr/>
+        <p:nvPr/>
+      </p:nvGrpSpPr>
+      <p:grpSpPr>
+        <a:xfrm>
+          <a:off x="0" y="0"/>
+          <a:ext cx="0" cy="0"/>
+          <a:chOff x="0" y="0"/>
+          <a:chExt cx="0" cy="0"/>
+        </a:xfrm>
+      </p:grpSpPr>
+      <p:sp>
+        <p:nvSpPr>
+          <p:cNvPr id="70658" name="Title 1">
+            <a:extLst>
+              <a:ext uri="{FF2B5EF4-FFF2-40B4-BE49-F238E27FC236}">
+                <a16:creationId xmlns:a16="http://schemas.microsoft.com/office/drawing/2014/main" id="{CC4C1A06-FB31-4CF2-B1BC-16DA99547C51}"/>
+              </a:ext>
+            </a:extLst>
+          </p:cNvPr>
+          <p:cNvSpPr>
+            <a:spLocks noGrp="1"/>
+          </p:cNvSpPr>
+          <p:nvPr>
+            <p:ph type="title"/>
+          </p:nvPr>
+        </p:nvSpPr>
+        <p:spPr/>
+        <p:txBody>
+          <a:bodyPr/>
+          <a:lstStyle/>
+          <a:p>
+            <a:r>
+              <a:rPr lang="en-US" altLang="en-US" b="1"/>
+              <a:t>Source order</a:t>
+            </a:r>
+            <a:br>
+              <a:rPr lang="en-US" altLang="en-US" b="1"/>
+            </a:br>
+            <a:endParaRPr lang="en-US" altLang="en-US"/>
+          </a:p>
+        </p:txBody>
+      </p:sp>
+      <p:sp>
+        <p:nvSpPr>
+          <p:cNvPr id="70659" name="Content Placeholder 2">
+            <a:extLst>
+              <a:ext uri="{FF2B5EF4-FFF2-40B4-BE49-F238E27FC236}">
+                <a16:creationId xmlns:a16="http://schemas.microsoft.com/office/drawing/2014/main" id="{6ECD1ECE-0ADD-48DE-BCE9-C81E8BD61AB6}"/>
+              </a:ext>
+            </a:extLst>
+          </p:cNvPr>
+          <p:cNvSpPr>
+            <a:spLocks noGrp="1"/>
+          </p:cNvSpPr>
+          <p:nvPr>
+            <p:ph idx="1"/>
+          </p:nvPr>
+        </p:nvSpPr>
+        <p:spPr/>
+        <p:txBody>
+          <a:bodyPr/>
+          <a:lstStyle/>
+          <a:p>
+            <a:r>
+              <a:rPr lang="en-US" altLang="en-US"/>
+              <a:t>If two declarations affect the same element, have the same importance and the same specificity, the final distinguishing mark is the source order. </a:t>
+            </a:r>
+          </a:p>
+          <a:p>
+            <a:endParaRPr lang="en-US" altLang="en-US"/>
+          </a:p>
+          <a:p>
+            <a:r>
+              <a:rPr lang="en-US" altLang="en-US"/>
+              <a:t>The declaration that appears later in the style sheets will “win” over those that come before it.</a:t>
+            </a:r>
+          </a:p>
+          <a:p>
+            <a:pPr>
+              <a:buFontTx/>
+              <a:buNone/>
+            </a:pPr>
+            <a:br>
+              <a:rPr lang="en-US" altLang="en-US"/>
+            </a:br>
+            <a:endParaRPr lang="en-US" altLang="en-US"/>
+          </a:p>
+        </p:txBody>
+      </p:sp>
+    </p:spTree>
+  </p:cSld>
+  <p:clrMapOvr>
+    <a:masterClrMapping/>
+  </p:clrMapOvr>
+</p:sld>
+</file>
+
 <file path=ppt/slides/slide6.xml><?xml version="1.0" encoding="utf-8"?>
 <p:sld xmlns:a="http://schemas.openxmlformats.org/drawingml/2006/main" xmlns:r="http://schemas.openxmlformats.org/officeDocument/2006/relationships" xmlns:p="http://schemas.openxmlformats.org/presentationml/2006/main">
   <p:cSld>
@@ -39879,6 +40383,1682 @@
 </p:sld>
 </file>
 
+<file path=ppt/slides/slide60.xml><?xml version="1.0" encoding="utf-8"?>
+<p:sld xmlns:a="http://schemas.openxmlformats.org/drawingml/2006/main" xmlns:r="http://schemas.openxmlformats.org/officeDocument/2006/relationships" xmlns:p="http://schemas.openxmlformats.org/presentationml/2006/main">
+  <p:cSld>
+    <p:spTree>
+      <p:nvGrpSpPr>
+        <p:cNvPr id="1" name=""/>
+        <p:cNvGrpSpPr/>
+        <p:nvPr/>
+      </p:nvGrpSpPr>
+      <p:grpSpPr>
+        <a:xfrm>
+          <a:off x="0" y="0"/>
+          <a:ext cx="0" cy="0"/>
+          <a:chOff x="0" y="0"/>
+          <a:chExt cx="0" cy="0"/>
+        </a:xfrm>
+      </p:grpSpPr>
+      <p:sp>
+        <p:nvSpPr>
+          <p:cNvPr id="71682" name="Title 1">
+            <a:extLst>
+              <a:ext uri="{FF2B5EF4-FFF2-40B4-BE49-F238E27FC236}">
+                <a16:creationId xmlns:a16="http://schemas.microsoft.com/office/drawing/2014/main" id="{D8DA2063-9A92-43CE-8B84-45556E86C2BA}"/>
+              </a:ext>
+            </a:extLst>
+          </p:cNvPr>
+          <p:cNvSpPr>
+            <a:spLocks noGrp="1"/>
+          </p:cNvSpPr>
+          <p:nvPr>
+            <p:ph type="title"/>
+          </p:nvPr>
+        </p:nvSpPr>
+        <p:spPr/>
+        <p:txBody>
+          <a:bodyPr/>
+          <a:lstStyle/>
+          <a:p>
+            <a:r>
+              <a:rPr lang="en-US" altLang="en-US"/>
+              <a:t>Inheritance</a:t>
+            </a:r>
+          </a:p>
+        </p:txBody>
+      </p:sp>
+      <p:sp>
+        <p:nvSpPr>
+          <p:cNvPr id="71683" name="Content Placeholder 2">
+            <a:extLst>
+              <a:ext uri="{FF2B5EF4-FFF2-40B4-BE49-F238E27FC236}">
+                <a16:creationId xmlns:a16="http://schemas.microsoft.com/office/drawing/2014/main" id="{3D2C4609-5CF6-4D8B-A534-8C61F77E4920}"/>
+              </a:ext>
+            </a:extLst>
+          </p:cNvPr>
+          <p:cNvSpPr>
+            <a:spLocks noGrp="1"/>
+          </p:cNvSpPr>
+          <p:nvPr>
+            <p:ph idx="1"/>
+          </p:nvPr>
+        </p:nvSpPr>
+        <p:spPr/>
+        <p:txBody>
+          <a:bodyPr>
+            <a:normAutofit fontScale="92500" lnSpcReduction="20000"/>
+          </a:bodyPr>
+          <a:lstStyle/>
+          <a:p>
+            <a:r>
+              <a:rPr lang="en-US" altLang="en-US"/>
+              <a:t>Process by which properties are passed from parent to child elements </a:t>
+            </a:r>
+          </a:p>
+          <a:p>
+            <a:pPr lvl="1"/>
+            <a:endParaRPr lang="en-US" altLang="en-US" sz="2000"/>
+          </a:p>
+          <a:p>
+            <a:pPr lvl="1"/>
+            <a:r>
+              <a:rPr lang="en-US" altLang="en-US" sz="2000"/>
+              <a:t>even though those properties have not been explicitly defined by other means. </a:t>
+            </a:r>
+          </a:p>
+          <a:p>
+            <a:endParaRPr lang="en-US" altLang="en-US"/>
+          </a:p>
+          <a:p>
+            <a:r>
+              <a:rPr lang="en-US" altLang="en-US"/>
+              <a:t>Certain properties are inherited automatically</a:t>
+            </a:r>
+          </a:p>
+          <a:p>
+            <a:pPr lvl="1"/>
+            <a:r>
+              <a:rPr lang="en-US" altLang="en-US" sz="2000"/>
+              <a:t>styles that apply to text are inherited,</a:t>
+            </a:r>
+          </a:p>
+          <a:p>
+            <a:pPr lvl="1"/>
+            <a:r>
+              <a:rPr lang="en-US" altLang="en-US" sz="2000"/>
+              <a:t>borders, margins and paddings and similar styles are not.</a:t>
+            </a:r>
+          </a:p>
+          <a:p>
+            <a:endParaRPr lang="en-US" altLang="en-US"/>
+          </a:p>
+          <a:p>
+            <a:r>
+              <a:rPr lang="en-US" altLang="en-US"/>
+              <a:t>Inheritance and the Cascade</a:t>
+            </a:r>
+          </a:p>
+          <a:p>
+            <a:pPr lvl="1"/>
+            <a:r>
+              <a:rPr lang="en-US" altLang="en-US" sz="2000"/>
+              <a:t>inheritance applies to the DOM tree</a:t>
+            </a:r>
+          </a:p>
+          <a:p>
+            <a:pPr lvl="1"/>
+            <a:r>
+              <a:rPr lang="en-US" altLang="en-US" sz="2000"/>
+              <a:t>cascade deals with the style sheet rules. </a:t>
+            </a:r>
+          </a:p>
+          <a:p>
+            <a:endParaRPr lang="en-US" altLang="en-US"/>
+          </a:p>
+        </p:txBody>
+      </p:sp>
+    </p:spTree>
+  </p:cSld>
+  <p:clrMapOvr>
+    <a:masterClrMapping/>
+  </p:clrMapOvr>
+</p:sld>
+</file>
+
+<file path=ppt/slides/slide61.xml><?xml version="1.0" encoding="utf-8"?>
+<p:sld xmlns:a="http://schemas.openxmlformats.org/drawingml/2006/main" xmlns:r="http://schemas.openxmlformats.org/officeDocument/2006/relationships" xmlns:p="http://schemas.openxmlformats.org/presentationml/2006/main">
+  <p:cSld>
+    <p:spTree>
+      <p:nvGrpSpPr>
+        <p:cNvPr id="1" name=""/>
+        <p:cNvGrpSpPr/>
+        <p:nvPr/>
+      </p:nvGrpSpPr>
+      <p:grpSpPr>
+        <a:xfrm>
+          <a:off x="0" y="0"/>
+          <a:ext cx="0" cy="0"/>
+          <a:chOff x="0" y="0"/>
+          <a:chExt cx="0" cy="0"/>
+        </a:xfrm>
+      </p:grpSpPr>
+      <p:sp>
+        <p:nvSpPr>
+          <p:cNvPr id="72706" name="Title 1">
+            <a:extLst>
+              <a:ext uri="{FF2B5EF4-FFF2-40B4-BE49-F238E27FC236}">
+                <a16:creationId xmlns:a16="http://schemas.microsoft.com/office/drawing/2014/main" id="{97EF7163-4C64-4FF4-8E8B-10740760F18F}"/>
+              </a:ext>
+            </a:extLst>
+          </p:cNvPr>
+          <p:cNvSpPr>
+            <a:spLocks noGrp="1"/>
+          </p:cNvSpPr>
+          <p:nvPr>
+            <p:ph type="title"/>
+          </p:nvPr>
+        </p:nvSpPr>
+        <p:spPr>
+          <a:xfrm>
+            <a:off x="1981200" y="274638"/>
+            <a:ext cx="8229600" cy="334962"/>
+          </a:xfrm>
+        </p:spPr>
+        <p:txBody>
+          <a:bodyPr/>
+          <a:lstStyle/>
+          <a:p>
+            <a:r>
+              <a:rPr lang="en-US" altLang="en-US"/>
+              <a:t>Inheritance</a:t>
+            </a:r>
+          </a:p>
+        </p:txBody>
+      </p:sp>
+      <p:sp>
+        <p:nvSpPr>
+          <p:cNvPr id="72707" name="Content Placeholder 2">
+            <a:extLst>
+              <a:ext uri="{FF2B5EF4-FFF2-40B4-BE49-F238E27FC236}">
+                <a16:creationId xmlns:a16="http://schemas.microsoft.com/office/drawing/2014/main" id="{02E594B0-7679-4BA3-B519-B7B9E99D466B}"/>
+              </a:ext>
+            </a:extLst>
+          </p:cNvPr>
+          <p:cNvSpPr>
+            <a:spLocks noGrp="1"/>
+          </p:cNvSpPr>
+          <p:nvPr>
+            <p:ph idx="1"/>
+          </p:nvPr>
+        </p:nvSpPr>
+        <p:spPr>
+          <a:xfrm>
+            <a:off x="1981200" y="685801"/>
+            <a:ext cx="8229600" cy="5440363"/>
+          </a:xfrm>
+        </p:spPr>
+        <p:txBody>
+          <a:bodyPr>
+            <a:normAutofit fontScale="92500" lnSpcReduction="20000"/>
+          </a:bodyPr>
+          <a:lstStyle/>
+          <a:p>
+            <a:pPr>
+              <a:buFontTx/>
+              <a:buNone/>
+            </a:pPr>
+            <a:r>
+              <a:rPr lang="en-US" altLang="en-US"/>
+              <a:t> &lt;style&gt;</a:t>
+            </a:r>
+          </a:p>
+          <a:p>
+            <a:pPr>
+              <a:buFontTx/>
+              <a:buNone/>
+            </a:pPr>
+            <a:r>
+              <a:rPr lang="en-US" altLang="en-US"/>
+              <a:t>        p {</a:t>
+            </a:r>
+          </a:p>
+          <a:p>
+            <a:pPr>
+              <a:buFontTx/>
+              <a:buNone/>
+            </a:pPr>
+            <a:r>
+              <a:rPr lang="en-US" altLang="en-US"/>
+              <a:t>            color: red;</a:t>
+            </a:r>
+          </a:p>
+          <a:p>
+            <a:pPr>
+              <a:buFontTx/>
+              <a:buNone/>
+            </a:pPr>
+            <a:r>
+              <a:rPr lang="en-US" altLang="en-US"/>
+              <a:t>         border:2px solid blue;</a:t>
+            </a:r>
+          </a:p>
+          <a:p>
+            <a:pPr>
+              <a:buFontTx/>
+              <a:buNone/>
+            </a:pPr>
+            <a:r>
+              <a:rPr lang="en-US" altLang="en-US"/>
+              <a:t>        }</a:t>
+            </a:r>
+          </a:p>
+          <a:p>
+            <a:pPr>
+              <a:buFontTx/>
+              <a:buNone/>
+            </a:pPr>
+            <a:r>
+              <a:rPr lang="en-US" altLang="en-US"/>
+              <a:t>        strong{</a:t>
+            </a:r>
+          </a:p>
+          <a:p>
+            <a:pPr>
+              <a:buFontTx/>
+              <a:buNone/>
+            </a:pPr>
+            <a:r>
+              <a:rPr lang="en-US" altLang="en-US"/>
+              <a:t>            border:inherit ;             </a:t>
+            </a:r>
+          </a:p>
+          <a:p>
+            <a:pPr>
+              <a:buFontTx/>
+              <a:buNone/>
+            </a:pPr>
+            <a:r>
+              <a:rPr lang="en-US" altLang="en-US"/>
+              <a:t>        }</a:t>
+            </a:r>
+          </a:p>
+          <a:p>
+            <a:pPr>
+              <a:buFontTx/>
+              <a:buNone/>
+            </a:pPr>
+            <a:r>
+              <a:rPr lang="en-US" altLang="en-US"/>
+              <a:t>    &lt;/style&gt;</a:t>
+            </a:r>
+          </a:p>
+          <a:p>
+            <a:endParaRPr lang="en-US" altLang="en-US"/>
+          </a:p>
+          <a:p>
+            <a:r>
+              <a:rPr lang="en-US" altLang="en-US"/>
+              <a:t>    &lt;p&gt;</a:t>
+            </a:r>
+          </a:p>
+          <a:p>
+            <a:r>
+              <a:rPr lang="en-US" altLang="en-US"/>
+              <a:t>     &lt;strong&gt;This is the First Paragraph&lt;/strong&gt;</a:t>
+            </a:r>
+          </a:p>
+          <a:p>
+            <a:r>
+              <a:rPr lang="en-US" altLang="en-US"/>
+              <a:t>     The second line of this paragraph is also created with the styles.</a:t>
+            </a:r>
+          </a:p>
+          <a:p>
+            <a:r>
+              <a:rPr lang="en-US" altLang="en-US"/>
+              <a:t>    &lt;/p&gt;</a:t>
+            </a:r>
+          </a:p>
+        </p:txBody>
+      </p:sp>
+    </p:spTree>
+  </p:cSld>
+  <p:clrMapOvr>
+    <a:masterClrMapping/>
+  </p:clrMapOvr>
+</p:sld>
+</file>
+
+<file path=ppt/slides/slide62.xml><?xml version="1.0" encoding="utf-8"?>
+<p:sld xmlns:a="http://schemas.openxmlformats.org/drawingml/2006/main" xmlns:r="http://schemas.openxmlformats.org/officeDocument/2006/relationships" xmlns:p="http://schemas.openxmlformats.org/presentationml/2006/main">
+  <p:cSld>
+    <p:spTree>
+      <p:nvGrpSpPr>
+        <p:cNvPr id="1" name=""/>
+        <p:cNvGrpSpPr/>
+        <p:nvPr/>
+      </p:nvGrpSpPr>
+      <p:grpSpPr>
+        <a:xfrm>
+          <a:off x="0" y="0"/>
+          <a:ext cx="0" cy="0"/>
+          <a:chOff x="0" y="0"/>
+          <a:chExt cx="0" cy="0"/>
+        </a:xfrm>
+      </p:grpSpPr>
+      <p:sp>
+        <p:nvSpPr>
+          <p:cNvPr id="73730" name="Title 1">
+            <a:extLst>
+              <a:ext uri="{FF2B5EF4-FFF2-40B4-BE49-F238E27FC236}">
+                <a16:creationId xmlns:a16="http://schemas.microsoft.com/office/drawing/2014/main" id="{4484C400-EFBC-4F93-958D-809D4B9761C7}"/>
+              </a:ext>
+            </a:extLst>
+          </p:cNvPr>
+          <p:cNvSpPr>
+            <a:spLocks noGrp="1"/>
+          </p:cNvSpPr>
+          <p:nvPr>
+            <p:ph type="title"/>
+          </p:nvPr>
+        </p:nvSpPr>
+        <p:spPr/>
+        <p:txBody>
+          <a:bodyPr/>
+          <a:lstStyle/>
+          <a:p>
+            <a:r>
+              <a:rPr lang="en-US" altLang="en-US"/>
+              <a:t>!important</a:t>
+            </a:r>
+          </a:p>
+        </p:txBody>
+      </p:sp>
+      <p:sp>
+        <p:nvSpPr>
+          <p:cNvPr id="73731" name="Content Placeholder 2">
+            <a:extLst>
+              <a:ext uri="{FF2B5EF4-FFF2-40B4-BE49-F238E27FC236}">
+                <a16:creationId xmlns:a16="http://schemas.microsoft.com/office/drawing/2014/main" id="{5E9D93C0-E0E9-42DC-8800-4A3BB9690ADD}"/>
+              </a:ext>
+            </a:extLst>
+          </p:cNvPr>
+          <p:cNvSpPr>
+            <a:spLocks noGrp="1"/>
+          </p:cNvSpPr>
+          <p:nvPr>
+            <p:ph idx="1"/>
+          </p:nvPr>
+        </p:nvSpPr>
+        <p:spPr/>
+        <p:txBody>
+          <a:bodyPr>
+            <a:normAutofit fontScale="92500" lnSpcReduction="20000"/>
+          </a:bodyPr>
+          <a:lstStyle/>
+          <a:p>
+            <a:r>
+              <a:rPr lang="en-US" altLang="en-US"/>
+              <a:t>Important declarations help override normal specificity when making changes to their stylesheets.</a:t>
+            </a:r>
+          </a:p>
+          <a:p>
+            <a:endParaRPr lang="en-US" altLang="en-US"/>
+          </a:p>
+          <a:p>
+            <a:r>
+              <a:rPr lang="en-US" altLang="en-US"/>
+              <a:t>It provides a way for a stylesheet author to give a CSS value </a:t>
+            </a:r>
+            <a:r>
+              <a:rPr lang="en-US" altLang="en-US" b="1"/>
+              <a:t>more weight</a:t>
+            </a:r>
+            <a:r>
+              <a:rPr lang="en-US" altLang="en-US"/>
+              <a:t> than it naturally has. </a:t>
+            </a:r>
+          </a:p>
+          <a:p>
+            <a:endParaRPr lang="en-US" altLang="en-US"/>
+          </a:p>
+          <a:p>
+            <a:r>
+              <a:rPr lang="en-US" altLang="en-US"/>
+              <a:t>Its  a reference to an entire CSS declaration, including property and value</a:t>
+            </a:r>
+          </a:p>
+          <a:p>
+            <a:endParaRPr lang="en-US" altLang="en-US"/>
+          </a:p>
+          <a:p>
+            <a:r>
+              <a:rPr lang="fr-FR" altLang="en-US"/>
+              <a:t>#example { font-size: 14px </a:t>
+            </a:r>
+            <a:r>
+              <a:rPr lang="fr-FR" altLang="en-US" b="1"/>
+              <a:t>!important</a:t>
+            </a:r>
+            <a:r>
+              <a:rPr lang="fr-FR" altLang="en-US"/>
+              <a:t>; } </a:t>
+            </a:r>
+          </a:p>
+          <a:p>
+            <a:endParaRPr lang="fr-FR" altLang="en-US"/>
+          </a:p>
+          <a:p>
+            <a:r>
+              <a:rPr lang="fr-FR" altLang="en-US"/>
+              <a:t>#container #example { font-size: 10px; }</a:t>
+            </a:r>
+          </a:p>
+          <a:p>
+            <a:endParaRPr lang="fr-FR" altLang="en-US"/>
+          </a:p>
+          <a:p>
+            <a:endParaRPr lang="en-US" altLang="en-US"/>
+          </a:p>
+        </p:txBody>
+      </p:sp>
+    </p:spTree>
+  </p:cSld>
+  <p:clrMapOvr>
+    <a:masterClrMapping/>
+  </p:clrMapOvr>
+</p:sld>
+</file>
+
+<file path=ppt/slides/slide63.xml><?xml version="1.0" encoding="utf-8"?>
+<p:sld xmlns:a="http://schemas.openxmlformats.org/drawingml/2006/main" xmlns:r="http://schemas.openxmlformats.org/officeDocument/2006/relationships" xmlns:p="http://schemas.openxmlformats.org/presentationml/2006/main">
+  <p:cSld>
+    <p:spTree>
+      <p:nvGrpSpPr>
+        <p:cNvPr id="1" name=""/>
+        <p:cNvGrpSpPr/>
+        <p:nvPr/>
+      </p:nvGrpSpPr>
+      <p:grpSpPr>
+        <a:xfrm>
+          <a:off x="0" y="0"/>
+          <a:ext cx="0" cy="0"/>
+          <a:chOff x="0" y="0"/>
+          <a:chExt cx="0" cy="0"/>
+        </a:xfrm>
+      </p:grpSpPr>
+      <p:sp>
+        <p:nvSpPr>
+          <p:cNvPr id="74754" name="Title 1">
+            <a:extLst>
+              <a:ext uri="{FF2B5EF4-FFF2-40B4-BE49-F238E27FC236}">
+                <a16:creationId xmlns:a16="http://schemas.microsoft.com/office/drawing/2014/main" id="{DAF1CF7C-A14C-402B-91B9-274A579A6D75}"/>
+              </a:ext>
+            </a:extLst>
+          </p:cNvPr>
+          <p:cNvSpPr>
+            <a:spLocks noGrp="1"/>
+          </p:cNvSpPr>
+          <p:nvPr>
+            <p:ph type="title"/>
+          </p:nvPr>
+        </p:nvSpPr>
+        <p:spPr/>
+        <p:txBody>
+          <a:bodyPr/>
+          <a:lstStyle/>
+          <a:p>
+            <a:r>
+              <a:rPr lang="en-US" altLang="en-US"/>
+              <a:t>!important</a:t>
+            </a:r>
+          </a:p>
+        </p:txBody>
+      </p:sp>
+      <p:sp>
+        <p:nvSpPr>
+          <p:cNvPr id="74755" name="Content Placeholder 2">
+            <a:extLst>
+              <a:ext uri="{FF2B5EF4-FFF2-40B4-BE49-F238E27FC236}">
+                <a16:creationId xmlns:a16="http://schemas.microsoft.com/office/drawing/2014/main" id="{BA87C829-E91E-4252-8794-CD9CEBD603F8}"/>
+              </a:ext>
+            </a:extLst>
+          </p:cNvPr>
+          <p:cNvSpPr>
+            <a:spLocks noGrp="1"/>
+          </p:cNvSpPr>
+          <p:nvPr>
+            <p:ph idx="1"/>
+          </p:nvPr>
+        </p:nvSpPr>
+        <p:spPr/>
+        <p:txBody>
+          <a:bodyPr>
+            <a:normAutofit fontScale="77500" lnSpcReduction="20000"/>
+          </a:bodyPr>
+          <a:lstStyle/>
+          <a:p>
+            <a:r>
+              <a:rPr lang="en-US" altLang="en-US"/>
+              <a:t>!important keyword must be placed at the end of the line, </a:t>
+            </a:r>
+          </a:p>
+          <a:p>
+            <a:endParaRPr lang="en-US" altLang="en-US"/>
+          </a:p>
+          <a:p>
+            <a:pPr fontAlgn="t"/>
+            <a:r>
+              <a:rPr lang="en-US" altLang="en-US"/>
+              <a:t>Prefix ! Doesn’t means </a:t>
+            </a:r>
+            <a:r>
+              <a:rPr lang="en-US" altLang="en-US" i="1"/>
+              <a:t>not</a:t>
+            </a:r>
+            <a:r>
+              <a:rPr lang="en-US" altLang="en-US"/>
+              <a:t>.</a:t>
+            </a:r>
+          </a:p>
+          <a:p>
+            <a:pPr fontAlgn="t"/>
+            <a:endParaRPr lang="en-US" altLang="en-US"/>
+          </a:p>
+          <a:p>
+            <a:pPr fontAlgn="t"/>
+            <a:r>
+              <a:rPr lang="en-US" altLang="en-US"/>
+              <a:t>'this is important, ignore subsequent rules, and any usual specificity issues, apply </a:t>
+            </a:r>
+            <a:r>
+              <a:rPr lang="en-US" altLang="en-US" i="1"/>
+              <a:t>this</a:t>
+            </a:r>
+            <a:r>
+              <a:rPr lang="en-US" altLang="en-US"/>
+              <a:t> rule!'</a:t>
+            </a:r>
+          </a:p>
+          <a:p>
+            <a:pPr fontAlgn="t"/>
+            <a:endParaRPr lang="en-US" altLang="en-US"/>
+          </a:p>
+          <a:p>
+            <a:pPr fontAlgn="t"/>
+            <a:r>
+              <a:rPr lang="en-US" altLang="en-US"/>
+              <a:t>Defining a rule with the !important  discards the normal concerns as regards the 'later' rule overriding the 'earlier' ones.</a:t>
+            </a:r>
+          </a:p>
+          <a:p>
+            <a:pPr fontAlgn="t"/>
+            <a:endParaRPr lang="en-US" altLang="en-US"/>
+          </a:p>
+          <a:p>
+            <a:pPr fontAlgn="t"/>
+            <a:r>
+              <a:rPr lang="en-US" altLang="en-US"/>
+              <a:t>Should be Used with Caution in the most appropriate Cases</a:t>
+            </a:r>
+          </a:p>
+          <a:p>
+            <a:pPr fontAlgn="t"/>
+            <a:endParaRPr lang="en-US" altLang="en-US"/>
+          </a:p>
+          <a:p>
+            <a:pPr>
+              <a:buFontTx/>
+              <a:buNone/>
+            </a:pPr>
+            <a:br>
+              <a:rPr lang="en-US" altLang="en-US"/>
+            </a:br>
+            <a:endParaRPr lang="en-US" altLang="en-US"/>
+          </a:p>
+          <a:p>
+            <a:endParaRPr lang="en-US" altLang="en-US"/>
+          </a:p>
+        </p:txBody>
+      </p:sp>
+    </p:spTree>
+  </p:cSld>
+  <p:clrMapOvr>
+    <a:masterClrMapping/>
+  </p:clrMapOvr>
+</p:sld>
+</file>
+
+<file path=ppt/slides/slide64.xml><?xml version="1.0" encoding="utf-8"?>
+<p:sld xmlns:a="http://schemas.openxmlformats.org/drawingml/2006/main" xmlns:r="http://schemas.openxmlformats.org/officeDocument/2006/relationships" xmlns:p="http://schemas.openxmlformats.org/presentationml/2006/main">
+  <p:cSld>
+    <p:spTree>
+      <p:nvGrpSpPr>
+        <p:cNvPr id="1" name=""/>
+        <p:cNvGrpSpPr/>
+        <p:nvPr/>
+      </p:nvGrpSpPr>
+      <p:grpSpPr>
+        <a:xfrm>
+          <a:off x="0" y="0"/>
+          <a:ext cx="0" cy="0"/>
+          <a:chOff x="0" y="0"/>
+          <a:chExt cx="0" cy="0"/>
+        </a:xfrm>
+      </p:grpSpPr>
+      <p:sp>
+        <p:nvSpPr>
+          <p:cNvPr id="3074" name="Title 1">
+            <a:extLst>
+              <a:ext uri="{FF2B5EF4-FFF2-40B4-BE49-F238E27FC236}">
+                <a16:creationId xmlns:a16="http://schemas.microsoft.com/office/drawing/2014/main" id="{DFDAD641-947F-49AE-A647-7BDF2F7AD951}"/>
+              </a:ext>
+            </a:extLst>
+          </p:cNvPr>
+          <p:cNvSpPr>
+            <a:spLocks noGrp="1"/>
+          </p:cNvSpPr>
+          <p:nvPr>
+            <p:ph type="title"/>
+          </p:nvPr>
+        </p:nvSpPr>
+        <p:spPr/>
+        <p:txBody>
+          <a:bodyPr/>
+          <a:lstStyle/>
+          <a:p>
+            <a:r>
+              <a:rPr lang="en-US" altLang="en-US"/>
+              <a:t>Introduction</a:t>
+            </a:r>
+          </a:p>
+        </p:txBody>
+      </p:sp>
+      <p:sp>
+        <p:nvSpPr>
+          <p:cNvPr id="3075" name="Content Placeholder 2">
+            <a:extLst>
+              <a:ext uri="{FF2B5EF4-FFF2-40B4-BE49-F238E27FC236}">
+                <a16:creationId xmlns:a16="http://schemas.microsoft.com/office/drawing/2014/main" id="{26C1D919-566B-48A6-A658-B5B7C80BDA7B}"/>
+              </a:ext>
+            </a:extLst>
+          </p:cNvPr>
+          <p:cNvSpPr>
+            <a:spLocks noGrp="1"/>
+          </p:cNvSpPr>
+          <p:nvPr>
+            <p:ph idx="1"/>
+          </p:nvPr>
+        </p:nvSpPr>
+        <p:spPr/>
+        <p:txBody>
+          <a:bodyPr/>
+          <a:lstStyle/>
+          <a:p>
+            <a:endParaRPr lang="en-US" altLang="en-US"/>
+          </a:p>
+          <a:p>
+            <a:r>
+              <a:rPr lang="en-US" altLang="en-US" i="1"/>
+              <a:t>Need to Build a website suitable to work on every device and every screen size</a:t>
+            </a:r>
+          </a:p>
+          <a:p>
+            <a:pPr lvl="1"/>
+            <a:endParaRPr lang="en-US" altLang="en-US" sz="2000"/>
+          </a:p>
+          <a:p>
+            <a:pPr lvl="1"/>
+            <a:r>
+              <a:rPr lang="en-US" altLang="en-US" sz="2000">
+                <a:solidFill>
+                  <a:srgbClr val="C00000"/>
+                </a:solidFill>
+              </a:rPr>
+              <a:t>Desktop computer and cell phone users alike should get  the same benefit </a:t>
+            </a:r>
+          </a:p>
+          <a:p>
+            <a:endParaRPr lang="en-US" altLang="en-US"/>
+          </a:p>
+          <a:p>
+            <a:endParaRPr lang="en-US" altLang="en-US" b="1" i="1"/>
+          </a:p>
+          <a:p>
+            <a:r>
+              <a:rPr lang="en-US" altLang="en-US" b="1" i="1"/>
+              <a:t>Need to provide an intuitive and gratifying experience for all. </a:t>
+            </a:r>
+          </a:p>
+          <a:p>
+            <a:endParaRPr lang="en-US" altLang="en-US"/>
+          </a:p>
+          <a:p>
+            <a:endParaRPr lang="en-US" altLang="en-US"/>
+          </a:p>
+          <a:p>
+            <a:endParaRPr lang="en-US" altLang="en-US"/>
+          </a:p>
+          <a:p>
+            <a:endParaRPr lang="en-US" altLang="en-US"/>
+          </a:p>
+        </p:txBody>
+      </p:sp>
+    </p:spTree>
+  </p:cSld>
+  <p:clrMapOvr>
+    <a:masterClrMapping/>
+  </p:clrMapOvr>
+</p:sld>
+</file>
+
+<file path=ppt/slides/slide65.xml><?xml version="1.0" encoding="utf-8"?>
+<p:sld xmlns:a="http://schemas.openxmlformats.org/drawingml/2006/main" xmlns:r="http://schemas.openxmlformats.org/officeDocument/2006/relationships" xmlns:p="http://schemas.openxmlformats.org/presentationml/2006/main">
+  <p:cSld>
+    <p:spTree>
+      <p:nvGrpSpPr>
+        <p:cNvPr id="1" name=""/>
+        <p:cNvGrpSpPr/>
+        <p:nvPr/>
+      </p:nvGrpSpPr>
+      <p:grpSpPr>
+        <a:xfrm>
+          <a:off x="0" y="0"/>
+          <a:ext cx="0" cy="0"/>
+          <a:chOff x="0" y="0"/>
+          <a:chExt cx="0" cy="0"/>
+        </a:xfrm>
+      </p:grpSpPr>
+      <p:sp>
+        <p:nvSpPr>
+          <p:cNvPr id="4098" name="Title 1">
+            <a:extLst>
+              <a:ext uri="{FF2B5EF4-FFF2-40B4-BE49-F238E27FC236}">
+                <a16:creationId xmlns:a16="http://schemas.microsoft.com/office/drawing/2014/main" id="{2C823B1E-CC19-45E8-9618-08074FA5FAA4}"/>
+              </a:ext>
+            </a:extLst>
+          </p:cNvPr>
+          <p:cNvSpPr>
+            <a:spLocks noGrp="1"/>
+          </p:cNvSpPr>
+          <p:nvPr>
+            <p:ph type="title"/>
+          </p:nvPr>
+        </p:nvSpPr>
+        <p:spPr/>
+        <p:txBody>
+          <a:bodyPr/>
+          <a:lstStyle/>
+          <a:p>
+            <a:br>
+              <a:rPr lang="en-US" altLang="en-US" b="1"/>
+            </a:br>
+            <a:r>
+              <a:rPr lang="en-US" altLang="en-US" b="1"/>
+              <a:t>Responsive vs. Adaptive vs. Mobile</a:t>
+            </a:r>
+            <a:br>
+              <a:rPr lang="en-US" altLang="en-US" b="1"/>
+            </a:br>
+            <a:endParaRPr lang="en-US" altLang="en-US"/>
+          </a:p>
+        </p:txBody>
+      </p:sp>
+      <p:sp>
+        <p:nvSpPr>
+          <p:cNvPr id="36867" name="Content Placeholder 2">
+            <a:extLst>
+              <a:ext uri="{FF2B5EF4-FFF2-40B4-BE49-F238E27FC236}">
+                <a16:creationId xmlns:a16="http://schemas.microsoft.com/office/drawing/2014/main" id="{7CC6B86A-4DBC-4B97-A78B-1F6588AF95E7}"/>
+              </a:ext>
+            </a:extLst>
+          </p:cNvPr>
+          <p:cNvSpPr>
+            <a:spLocks noGrp="1"/>
+          </p:cNvSpPr>
+          <p:nvPr>
+            <p:ph idx="1"/>
+          </p:nvPr>
+        </p:nvSpPr>
+        <p:spPr/>
+        <p:txBody>
+          <a:bodyPr>
+            <a:normAutofit fontScale="70000" lnSpcReduction="20000"/>
+          </a:bodyPr>
+          <a:lstStyle/>
+          <a:p>
+            <a:pPr>
+              <a:defRPr/>
+            </a:pPr>
+            <a:r>
+              <a:rPr lang="en-US" dirty="0"/>
+              <a:t>Closely related, and often transposed as one in the same. </a:t>
+            </a:r>
+          </a:p>
+          <a:p>
+            <a:pPr>
+              <a:defRPr/>
+            </a:pPr>
+            <a:endParaRPr lang="en-US" dirty="0"/>
+          </a:p>
+          <a:p>
+            <a:pPr>
+              <a:defRPr/>
+            </a:pPr>
+            <a:r>
+              <a:rPr lang="en-US" b="1" dirty="0">
+                <a:solidFill>
+                  <a:srgbClr val="C00000"/>
+                </a:solidFill>
+              </a:rPr>
+              <a:t>Responsive </a:t>
+            </a:r>
+          </a:p>
+          <a:p>
+            <a:pPr lvl="1">
+              <a:defRPr/>
+            </a:pPr>
+            <a:r>
+              <a:rPr lang="en-US" sz="2000" dirty="0"/>
+              <a:t>to react quickly and positively to any change, </a:t>
+            </a:r>
+          </a:p>
+          <a:p>
+            <a:pPr lvl="1">
+              <a:defRPr/>
+            </a:pPr>
+            <a:r>
+              <a:rPr lang="en-US" sz="2000" dirty="0"/>
+              <a:t>Changes continually and fluidly based on viewport width</a:t>
+            </a:r>
+          </a:p>
+          <a:p>
+            <a:pPr marL="342900" lvl="1" indent="-342900">
+              <a:buFontTx/>
+              <a:buChar char="•"/>
+              <a:defRPr/>
+            </a:pPr>
+            <a:r>
+              <a:rPr lang="en-US" sz="2000" b="1" dirty="0">
+                <a:solidFill>
+                  <a:srgbClr val="C00000"/>
+                </a:solidFill>
+                <a:ea typeface="+mn-ea"/>
+                <a:cs typeface="+mn-cs"/>
+              </a:rPr>
+              <a:t>Adaptive </a:t>
+            </a:r>
+          </a:p>
+          <a:p>
+            <a:pPr lvl="1">
+              <a:defRPr/>
+            </a:pPr>
+            <a:r>
+              <a:rPr lang="en-US" sz="2000" dirty="0"/>
+              <a:t>To be easily modified for a new purpose or situation,</a:t>
+            </a:r>
+          </a:p>
+          <a:p>
+            <a:pPr lvl="1">
+              <a:defRPr/>
+            </a:pPr>
+            <a:r>
+              <a:rPr lang="en-US" sz="2000" dirty="0"/>
+              <a:t>Adapt to the width of the browser at a </a:t>
+            </a:r>
+            <a:r>
+              <a:rPr lang="en-US" sz="2000" i="1" dirty="0"/>
+              <a:t>specific points</a:t>
+            </a:r>
+            <a:endParaRPr lang="en-US" sz="2000" dirty="0"/>
+          </a:p>
+          <a:p>
+            <a:pPr lvl="1">
+              <a:defRPr/>
+            </a:pPr>
+            <a:r>
+              <a:rPr lang="en-US" sz="2000" dirty="0"/>
+              <a:t>May show elements, resize text/images, reflow elements as resolution changes</a:t>
+            </a:r>
+          </a:p>
+          <a:p>
+            <a:pPr>
+              <a:defRPr/>
+            </a:pPr>
+            <a:r>
+              <a:rPr lang="en-US" b="1" i="1" dirty="0"/>
+              <a:t> A combination of the two is ideal</a:t>
+            </a:r>
+          </a:p>
+          <a:p>
+            <a:pPr>
+              <a:defRPr/>
+            </a:pPr>
+            <a:r>
+              <a:rPr lang="en-US" b="1" dirty="0">
+                <a:solidFill>
+                  <a:srgbClr val="C00000"/>
+                </a:solidFill>
+              </a:rPr>
+              <a:t>Mobile :</a:t>
+            </a:r>
+            <a:r>
+              <a:rPr lang="en-US" b="1" dirty="0"/>
+              <a:t> </a:t>
+            </a:r>
+          </a:p>
+          <a:p>
+            <a:pPr lvl="1">
+              <a:defRPr/>
+            </a:pPr>
+            <a:r>
+              <a:rPr lang="en-US" sz="2000" dirty="0"/>
+              <a:t> Build a separate website commonly on a new domain solely for mobile users. </a:t>
+            </a:r>
+          </a:p>
+          <a:p>
+            <a:pPr>
+              <a:buFontTx/>
+              <a:buNone/>
+              <a:defRPr/>
+            </a:pPr>
+            <a:br>
+              <a:rPr lang="en-US" dirty="0"/>
+            </a:br>
+            <a:endParaRPr lang="en-US" dirty="0"/>
+          </a:p>
+        </p:txBody>
+      </p:sp>
+    </p:spTree>
+  </p:cSld>
+  <p:clrMapOvr>
+    <a:masterClrMapping/>
+  </p:clrMapOvr>
+</p:sld>
+</file>
+
+<file path=ppt/slides/slide66.xml><?xml version="1.0" encoding="utf-8"?>
+<p:sld xmlns:a="http://schemas.openxmlformats.org/drawingml/2006/main" xmlns:r="http://schemas.openxmlformats.org/officeDocument/2006/relationships" xmlns:p="http://schemas.openxmlformats.org/presentationml/2006/main">
+  <p:cSld>
+    <p:spTree>
+      <p:nvGrpSpPr>
+        <p:cNvPr id="1" name=""/>
+        <p:cNvGrpSpPr/>
+        <p:nvPr/>
+      </p:nvGrpSpPr>
+      <p:grpSpPr>
+        <a:xfrm>
+          <a:off x="0" y="0"/>
+          <a:ext cx="0" cy="0"/>
+          <a:chOff x="0" y="0"/>
+          <a:chExt cx="0" cy="0"/>
+        </a:xfrm>
+      </p:grpSpPr>
+      <p:sp>
+        <p:nvSpPr>
+          <p:cNvPr id="5122" name="Title 1">
+            <a:extLst>
+              <a:ext uri="{FF2B5EF4-FFF2-40B4-BE49-F238E27FC236}">
+                <a16:creationId xmlns:a16="http://schemas.microsoft.com/office/drawing/2014/main" id="{050103BE-B165-48B5-A7AB-0BF112AA76DE}"/>
+              </a:ext>
+            </a:extLst>
+          </p:cNvPr>
+          <p:cNvSpPr>
+            <a:spLocks noGrp="1"/>
+          </p:cNvSpPr>
+          <p:nvPr>
+            <p:ph type="title"/>
+          </p:nvPr>
+        </p:nvSpPr>
+        <p:spPr/>
+        <p:txBody>
+          <a:bodyPr/>
+          <a:lstStyle/>
+          <a:p>
+            <a:r>
+              <a:rPr lang="en-US" altLang="en-US"/>
+              <a:t>Responsive Web Design</a:t>
+            </a:r>
+          </a:p>
+        </p:txBody>
+      </p:sp>
+      <p:sp>
+        <p:nvSpPr>
+          <p:cNvPr id="3" name="Content Placeholder 2">
+            <a:extLst>
+              <a:ext uri="{FF2B5EF4-FFF2-40B4-BE49-F238E27FC236}">
+                <a16:creationId xmlns:a16="http://schemas.microsoft.com/office/drawing/2014/main" id="{CBD3516E-A75E-48EA-8D9F-1781702BE33D}"/>
+              </a:ext>
+            </a:extLst>
+          </p:cNvPr>
+          <p:cNvSpPr>
+            <a:spLocks noGrp="1"/>
+          </p:cNvSpPr>
+          <p:nvPr>
+            <p:ph idx="1"/>
+          </p:nvPr>
+        </p:nvSpPr>
+        <p:spPr/>
+        <p:txBody>
+          <a:bodyPr>
+            <a:normAutofit fontScale="55000" lnSpcReduction="20000"/>
+          </a:bodyPr>
+          <a:lstStyle/>
+          <a:p>
+            <a:pPr>
+              <a:defRPr/>
+            </a:pPr>
+            <a:r>
+              <a:rPr lang="en-US" b="1" dirty="0"/>
+              <a:t>Flexible and Fluid layout</a:t>
+            </a:r>
+          </a:p>
+          <a:p>
+            <a:pPr lvl="1">
+              <a:defRPr/>
+            </a:pPr>
+            <a:r>
+              <a:rPr lang="en-US" sz="2000" dirty="0">
+                <a:ea typeface="+mn-ea"/>
+                <a:cs typeface="+mn-cs"/>
+              </a:rPr>
+              <a:t>Uses relative sizing of grids, not fixed</a:t>
+            </a:r>
+          </a:p>
+          <a:p>
+            <a:pPr lvl="1">
+              <a:defRPr/>
+            </a:pPr>
+            <a:r>
+              <a:rPr lang="en-US" sz="2000" dirty="0">
+                <a:ea typeface="+mn-ea"/>
+                <a:cs typeface="+mn-cs"/>
+              </a:rPr>
+              <a:t>Based on columns that can be reflowed</a:t>
+            </a:r>
+          </a:p>
+          <a:p>
+            <a:pPr lvl="1">
+              <a:defRPr/>
+            </a:pPr>
+            <a:r>
+              <a:rPr lang="en-US" sz="2000" dirty="0">
+                <a:ea typeface="+mn-ea"/>
+                <a:cs typeface="+mn-cs"/>
+              </a:rPr>
+              <a:t>Allows grid layout to adjust to viewport size</a:t>
+            </a:r>
+          </a:p>
+          <a:p>
+            <a:pPr>
+              <a:defRPr/>
+            </a:pPr>
+            <a:endParaRPr lang="en-US" dirty="0"/>
+          </a:p>
+          <a:p>
+            <a:pPr>
+              <a:defRPr/>
+            </a:pPr>
+            <a:r>
+              <a:rPr lang="en-US" b="1" dirty="0"/>
+              <a:t>Media queries</a:t>
+            </a:r>
+          </a:p>
+          <a:p>
+            <a:pPr lvl="1">
+              <a:defRPr/>
+            </a:pPr>
+            <a:r>
+              <a:rPr lang="en-US" sz="2000" dirty="0">
+                <a:ea typeface="+mn-ea"/>
+                <a:cs typeface="+mn-cs"/>
+              </a:rPr>
+              <a:t>Target media types and media features</a:t>
+            </a:r>
+          </a:p>
+          <a:p>
+            <a:pPr lvl="1">
+              <a:defRPr/>
+            </a:pPr>
+            <a:r>
+              <a:rPr lang="en-US" sz="2000" dirty="0">
+                <a:ea typeface="+mn-ea"/>
+                <a:cs typeface="+mn-cs"/>
+              </a:rPr>
+              <a:t>Tests for max/min width &amp; height on viewport and device, device orientation, aspect radio, resolution</a:t>
+            </a:r>
+          </a:p>
+          <a:p>
+            <a:pPr>
+              <a:defRPr/>
+            </a:pPr>
+            <a:endParaRPr lang="en-US" dirty="0"/>
+          </a:p>
+          <a:p>
+            <a:pPr>
+              <a:defRPr/>
+            </a:pPr>
+            <a:r>
+              <a:rPr lang="en-US" b="1" dirty="0"/>
+              <a:t>Responsive images</a:t>
+            </a:r>
+          </a:p>
+          <a:p>
+            <a:pPr lvl="1">
+              <a:defRPr/>
+            </a:pPr>
+            <a:r>
+              <a:rPr lang="en-US" sz="2000" dirty="0">
+                <a:ea typeface="+mn-ea"/>
+                <a:cs typeface="+mn-cs"/>
+              </a:rPr>
+              <a:t>Relative widths (CSS) or dynamic replacement (JS) </a:t>
+            </a:r>
+          </a:p>
+          <a:p>
+            <a:pPr>
+              <a:defRPr/>
+            </a:pPr>
+            <a:endParaRPr lang="en-US" dirty="0"/>
+          </a:p>
+          <a:p>
+            <a:pPr>
+              <a:defRPr/>
+            </a:pPr>
+            <a:endParaRPr lang="en-US" dirty="0"/>
+          </a:p>
+          <a:p>
+            <a:pPr>
+              <a:buFontTx/>
+              <a:buNone/>
+              <a:defRPr/>
+            </a:pPr>
+            <a:br>
+              <a:rPr lang="en-US" dirty="0"/>
+            </a:br>
+            <a:endParaRPr lang="en-US" dirty="0"/>
+          </a:p>
+        </p:txBody>
+      </p:sp>
+    </p:spTree>
+  </p:cSld>
+  <p:clrMapOvr>
+    <a:masterClrMapping/>
+  </p:clrMapOvr>
+</p:sld>
+</file>
+
+<file path=ppt/slides/slide67.xml><?xml version="1.0" encoding="utf-8"?>
+<p:sld xmlns:a="http://schemas.openxmlformats.org/drawingml/2006/main" xmlns:r="http://schemas.openxmlformats.org/officeDocument/2006/relationships" xmlns:p="http://schemas.openxmlformats.org/presentationml/2006/main">
+  <p:cSld>
+    <p:spTree>
+      <p:nvGrpSpPr>
+        <p:cNvPr id="1" name=""/>
+        <p:cNvGrpSpPr/>
+        <p:nvPr/>
+      </p:nvGrpSpPr>
+      <p:grpSpPr>
+        <a:xfrm>
+          <a:off x="0" y="0"/>
+          <a:ext cx="0" cy="0"/>
+          <a:chOff x="0" y="0"/>
+          <a:chExt cx="0" cy="0"/>
+        </a:xfrm>
+      </p:grpSpPr>
+      <p:sp>
+        <p:nvSpPr>
+          <p:cNvPr id="6" name="Title 5">
+            <a:extLst>
+              <a:ext uri="{FF2B5EF4-FFF2-40B4-BE49-F238E27FC236}">
+                <a16:creationId xmlns:a16="http://schemas.microsoft.com/office/drawing/2014/main" id="{8EFBC627-E4AC-4A62-A23D-898432CA6335}"/>
+              </a:ext>
+            </a:extLst>
+          </p:cNvPr>
+          <p:cNvSpPr>
+            <a:spLocks noGrp="1"/>
+          </p:cNvSpPr>
+          <p:nvPr>
+            <p:ph type="title"/>
+          </p:nvPr>
+        </p:nvSpPr>
+        <p:spPr/>
+        <p:txBody>
+          <a:bodyPr/>
+          <a:lstStyle/>
+          <a:p>
+            <a:pPr>
+              <a:defRPr/>
+            </a:pPr>
+            <a:r>
+              <a:rPr lang="en-US" dirty="0"/>
+              <a:t>Flexible box</a:t>
+            </a:r>
+          </a:p>
+        </p:txBody>
+      </p:sp>
+      <p:sp>
+        <p:nvSpPr>
+          <p:cNvPr id="6147" name="Text Placeholder 6">
+            <a:extLst>
+              <a:ext uri="{FF2B5EF4-FFF2-40B4-BE49-F238E27FC236}">
+                <a16:creationId xmlns:a16="http://schemas.microsoft.com/office/drawing/2014/main" id="{B94BB64F-B385-4416-916C-CB06EB3EFA02}"/>
+              </a:ext>
+            </a:extLst>
+          </p:cNvPr>
+          <p:cNvSpPr>
+            <a:spLocks noGrp="1"/>
+          </p:cNvSpPr>
+          <p:nvPr>
+            <p:ph type="body" idx="1"/>
+          </p:nvPr>
+        </p:nvSpPr>
+        <p:spPr/>
+        <p:txBody>
+          <a:bodyPr/>
+          <a:lstStyle/>
+          <a:p>
+            <a:endParaRPr lang="en-US" altLang="en-US"/>
+          </a:p>
+        </p:txBody>
+      </p:sp>
+    </p:spTree>
+  </p:cSld>
+  <p:clrMapOvr>
+    <a:masterClrMapping/>
+  </p:clrMapOvr>
+</p:sld>
+</file>
+
+<file path=ppt/slides/slide68.xml><?xml version="1.0" encoding="utf-8"?>
+<p:sld xmlns:a="http://schemas.openxmlformats.org/drawingml/2006/main" xmlns:r="http://schemas.openxmlformats.org/officeDocument/2006/relationships" xmlns:p="http://schemas.openxmlformats.org/presentationml/2006/main">
+  <p:cSld>
+    <p:spTree>
+      <p:nvGrpSpPr>
+        <p:cNvPr id="1" name=""/>
+        <p:cNvGrpSpPr/>
+        <p:nvPr/>
+      </p:nvGrpSpPr>
+      <p:grpSpPr>
+        <a:xfrm>
+          <a:off x="0" y="0"/>
+          <a:ext cx="0" cy="0"/>
+          <a:chOff x="0" y="0"/>
+          <a:chExt cx="0" cy="0"/>
+        </a:xfrm>
+      </p:grpSpPr>
+      <p:sp>
+        <p:nvSpPr>
+          <p:cNvPr id="7170" name="Title 1">
+            <a:extLst>
+              <a:ext uri="{FF2B5EF4-FFF2-40B4-BE49-F238E27FC236}">
+                <a16:creationId xmlns:a16="http://schemas.microsoft.com/office/drawing/2014/main" id="{BC7E0BB6-9A0E-4EA0-92EC-F703F21ABD21}"/>
+              </a:ext>
+            </a:extLst>
+          </p:cNvPr>
+          <p:cNvSpPr>
+            <a:spLocks noGrp="1"/>
+          </p:cNvSpPr>
+          <p:nvPr>
+            <p:ph type="title"/>
+          </p:nvPr>
+        </p:nvSpPr>
+        <p:spPr/>
+        <p:txBody>
+          <a:bodyPr/>
+          <a:lstStyle/>
+          <a:p>
+            <a:r>
+              <a:rPr lang="en-US" altLang="en-US"/>
+              <a:t>Flexible Box</a:t>
+            </a:r>
+          </a:p>
+        </p:txBody>
+      </p:sp>
+      <p:sp>
+        <p:nvSpPr>
+          <p:cNvPr id="3" name="Content Placeholder 2">
+            <a:extLst>
+              <a:ext uri="{FF2B5EF4-FFF2-40B4-BE49-F238E27FC236}">
+                <a16:creationId xmlns:a16="http://schemas.microsoft.com/office/drawing/2014/main" id="{B9C48106-0BCB-47C9-A54F-4067079EC639}"/>
+              </a:ext>
+            </a:extLst>
+          </p:cNvPr>
+          <p:cNvSpPr>
+            <a:spLocks noGrp="1"/>
+          </p:cNvSpPr>
+          <p:nvPr>
+            <p:ph idx="1"/>
+          </p:nvPr>
+        </p:nvSpPr>
+        <p:spPr/>
+        <p:txBody>
+          <a:bodyPr>
+            <a:normAutofit fontScale="85000" lnSpcReduction="10000"/>
+          </a:bodyPr>
+          <a:lstStyle/>
+          <a:p>
+            <a:pPr>
+              <a:defRPr/>
+            </a:pPr>
+            <a:r>
+              <a:rPr lang="en-US" dirty="0"/>
+              <a:t>"</a:t>
+            </a:r>
+            <a:r>
+              <a:rPr lang="en-US" dirty="0" err="1"/>
+              <a:t>flexbox</a:t>
+            </a:r>
+            <a:r>
+              <a:rPr lang="en-US" dirty="0"/>
+              <a:t>"</a:t>
+            </a:r>
+          </a:p>
+          <a:p>
+            <a:pPr lvl="1">
+              <a:lnSpc>
+                <a:spcPct val="150000"/>
+              </a:lnSpc>
+              <a:defRPr/>
+            </a:pPr>
+            <a:r>
+              <a:rPr lang="en-US" sz="2000" dirty="0"/>
+              <a:t>Alternative to using tables, floats, inline-blocks</a:t>
+            </a:r>
+          </a:p>
+          <a:p>
+            <a:pPr lvl="1">
+              <a:lnSpc>
+                <a:spcPct val="150000"/>
+              </a:lnSpc>
+              <a:defRPr/>
+            </a:pPr>
+            <a:r>
+              <a:rPr lang="en-US" sz="2000" dirty="0"/>
+              <a:t>Used to layout, align and distribute space among items in a container</a:t>
+            </a:r>
+          </a:p>
+          <a:p>
+            <a:pPr lvl="1">
+              <a:lnSpc>
+                <a:spcPct val="150000"/>
+              </a:lnSpc>
+              <a:defRPr/>
+            </a:pPr>
+            <a:r>
+              <a:rPr lang="en-US" sz="2000" dirty="0">
+                <a:ea typeface="+mn-ea"/>
+                <a:cs typeface="+mn-cs"/>
+              </a:rPr>
+              <a:t>even when their size is unknown and/or dynamic </a:t>
+            </a:r>
+          </a:p>
+          <a:p>
+            <a:pPr lvl="1">
+              <a:lnSpc>
+                <a:spcPct val="150000"/>
+              </a:lnSpc>
+              <a:defRPr/>
+            </a:pPr>
+            <a:r>
+              <a:rPr lang="en-US" sz="2000" dirty="0"/>
+              <a:t>Container has the ability to alter its items' width/height and order to best fill the available space </a:t>
+            </a:r>
+          </a:p>
+          <a:p>
+            <a:pPr lvl="1">
+              <a:lnSpc>
+                <a:spcPct val="150000"/>
+              </a:lnSpc>
+              <a:defRPr/>
+            </a:pPr>
+            <a:r>
+              <a:rPr lang="en-US" sz="2000" dirty="0"/>
+              <a:t>To  accommodate all kind of display devices and screen sizes</a:t>
+            </a:r>
+          </a:p>
+          <a:p>
+            <a:pPr lvl="1">
+              <a:lnSpc>
+                <a:spcPct val="150000"/>
+              </a:lnSpc>
+              <a:defRPr/>
+            </a:pPr>
+            <a:r>
+              <a:rPr lang="en-US" sz="2000" dirty="0"/>
+              <a:t>Expands items to fill available free space, or shrinks them to prevent overflow.</a:t>
+            </a:r>
+          </a:p>
+        </p:txBody>
+      </p:sp>
+    </p:spTree>
+  </p:cSld>
+  <p:clrMapOvr>
+    <a:masterClrMapping/>
+  </p:clrMapOvr>
+</p:sld>
+</file>
+
+<file path=ppt/slides/slide69.xml><?xml version="1.0" encoding="utf-8"?>
+<p:sld xmlns:a="http://schemas.openxmlformats.org/drawingml/2006/main" xmlns:r="http://schemas.openxmlformats.org/officeDocument/2006/relationships" xmlns:p="http://schemas.openxmlformats.org/presentationml/2006/main">
+  <p:cSld>
+    <p:spTree>
+      <p:nvGrpSpPr>
+        <p:cNvPr id="1" name=""/>
+        <p:cNvGrpSpPr/>
+        <p:nvPr/>
+      </p:nvGrpSpPr>
+      <p:grpSpPr>
+        <a:xfrm>
+          <a:off x="0" y="0"/>
+          <a:ext cx="0" cy="0"/>
+          <a:chOff x="0" y="0"/>
+          <a:chExt cx="0" cy="0"/>
+        </a:xfrm>
+      </p:grpSpPr>
+      <p:sp>
+        <p:nvSpPr>
+          <p:cNvPr id="8194" name="Title 1">
+            <a:extLst>
+              <a:ext uri="{FF2B5EF4-FFF2-40B4-BE49-F238E27FC236}">
+                <a16:creationId xmlns:a16="http://schemas.microsoft.com/office/drawing/2014/main" id="{11C58D50-1523-47CC-B60A-0F40A984B285}"/>
+              </a:ext>
+            </a:extLst>
+          </p:cNvPr>
+          <p:cNvSpPr>
+            <a:spLocks noGrp="1"/>
+          </p:cNvSpPr>
+          <p:nvPr>
+            <p:ph type="title"/>
+          </p:nvPr>
+        </p:nvSpPr>
+        <p:spPr/>
+        <p:txBody>
+          <a:bodyPr/>
+          <a:lstStyle/>
+          <a:p>
+            <a:r>
+              <a:rPr lang="en-US" altLang="en-US"/>
+              <a:t>Flex-Box</a:t>
+            </a:r>
+          </a:p>
+        </p:txBody>
+      </p:sp>
+      <p:sp>
+        <p:nvSpPr>
+          <p:cNvPr id="4099" name="Content Placeholder 2">
+            <a:extLst>
+              <a:ext uri="{FF2B5EF4-FFF2-40B4-BE49-F238E27FC236}">
+                <a16:creationId xmlns:a16="http://schemas.microsoft.com/office/drawing/2014/main" id="{48497178-698B-4F0A-B9B4-9ED5FCDDCDE6}"/>
+              </a:ext>
+            </a:extLst>
+          </p:cNvPr>
+          <p:cNvSpPr>
+            <a:spLocks noGrp="1"/>
+          </p:cNvSpPr>
+          <p:nvPr>
+            <p:ph idx="1"/>
+          </p:nvPr>
+        </p:nvSpPr>
+        <p:spPr/>
+        <p:txBody>
+          <a:bodyPr>
+            <a:normAutofit fontScale="85000" lnSpcReduction="20000"/>
+          </a:bodyPr>
+          <a:lstStyle/>
+          <a:p>
+            <a:pPr>
+              <a:defRPr/>
+            </a:pPr>
+            <a:r>
+              <a:rPr lang="en-US" dirty="0"/>
+              <a:t>Direction-agnostic as opposed to the regular layouts </a:t>
+            </a:r>
+          </a:p>
+          <a:p>
+            <a:pPr lvl="1">
+              <a:defRPr/>
+            </a:pPr>
+            <a:r>
+              <a:rPr lang="en-US" sz="2000" dirty="0"/>
+              <a:t>Block is vertically-based </a:t>
+            </a:r>
+          </a:p>
+          <a:p>
+            <a:pPr lvl="1">
+              <a:defRPr/>
+            </a:pPr>
+            <a:r>
+              <a:rPr lang="en-US" sz="2000" dirty="0"/>
+              <a:t>Inline is horizontally-based</a:t>
+            </a:r>
+          </a:p>
+          <a:p>
+            <a:pPr lvl="1">
+              <a:defRPr/>
+            </a:pPr>
+            <a:r>
+              <a:rPr lang="en-US" sz="2000" dirty="0"/>
+              <a:t>Less flexible for complex applications </a:t>
+            </a:r>
+          </a:p>
+          <a:p>
+            <a:pPr>
+              <a:defRPr/>
+            </a:pPr>
+            <a:endParaRPr lang="en-US" b="1" dirty="0"/>
+          </a:p>
+          <a:p>
+            <a:pPr>
+              <a:defRPr/>
+            </a:pPr>
+            <a:r>
+              <a:rPr lang="en-US" b="1" dirty="0"/>
+              <a:t>Properties for the Parent</a:t>
+            </a:r>
+          </a:p>
+          <a:p>
+            <a:pPr lvl="1">
+              <a:defRPr/>
+            </a:pPr>
+            <a:r>
+              <a:rPr lang="en-US" sz="2000" i="1" dirty="0"/>
+              <a:t>Designed by Setting the </a:t>
+            </a:r>
+            <a:r>
+              <a:rPr lang="en-US" sz="2000" i="1" dirty="0">
+                <a:solidFill>
+                  <a:srgbClr val="FF0000"/>
+                </a:solidFill>
+              </a:rPr>
+              <a:t>Display Property </a:t>
+            </a:r>
+            <a:r>
+              <a:rPr lang="en-US" sz="2000" i="1" dirty="0"/>
+              <a:t>to Flex</a:t>
+            </a:r>
+          </a:p>
+          <a:p>
+            <a:pPr lvl="1">
+              <a:defRPr/>
+            </a:pPr>
+            <a:r>
+              <a:rPr lang="en-US" sz="2000" dirty="0">
+                <a:ea typeface="+mn-ea"/>
+                <a:cs typeface="+mn-cs"/>
+              </a:rPr>
+              <a:t>It enables a flex context for all its direct children.</a:t>
+            </a:r>
+            <a:endParaRPr lang="en-US" sz="2000" dirty="0"/>
+          </a:p>
+          <a:p>
+            <a:pPr lvl="1">
+              <a:buFont typeface="Times New Roman" pitchFamily="18" charset="0"/>
+              <a:buNone/>
+              <a:defRPr/>
+            </a:pPr>
+            <a:endParaRPr lang="en-US" sz="2000" b="1" dirty="0"/>
+          </a:p>
+          <a:p>
+            <a:pPr lvl="1">
+              <a:buFont typeface="Times New Roman" pitchFamily="18" charset="0"/>
+              <a:buNone/>
+              <a:defRPr/>
+            </a:pPr>
+            <a:r>
+              <a:rPr lang="en-US" sz="2000" b="1" dirty="0"/>
+              <a:t>. container</a:t>
+            </a:r>
+            <a:r>
+              <a:rPr lang="en-US" sz="2000" dirty="0"/>
+              <a:t> {</a:t>
+            </a:r>
+          </a:p>
+          <a:p>
+            <a:pPr lvl="1">
+              <a:buFont typeface="Times New Roman" pitchFamily="18" charset="0"/>
+              <a:buNone/>
+              <a:defRPr/>
+            </a:pPr>
+            <a:r>
+              <a:rPr lang="en-US" sz="2000" b="1" dirty="0">
+                <a:solidFill>
+                  <a:srgbClr val="FF0000"/>
+                </a:solidFill>
+              </a:rPr>
+              <a:t>   display</a:t>
+            </a:r>
+            <a:r>
+              <a:rPr lang="en-US" sz="2000" b="1" dirty="0"/>
+              <a:t>:</a:t>
+            </a:r>
+            <a:r>
+              <a:rPr lang="en-US" sz="2000" dirty="0"/>
+              <a:t> flex;</a:t>
+            </a:r>
+          </a:p>
+          <a:p>
+            <a:pPr lvl="1">
+              <a:buFont typeface="Times New Roman" pitchFamily="18" charset="0"/>
+              <a:buNone/>
+              <a:defRPr/>
+            </a:pPr>
+            <a:r>
+              <a:rPr lang="en-US" sz="2000" dirty="0"/>
+              <a:t>}</a:t>
+            </a:r>
+            <a:endParaRPr lang="en-US" dirty="0"/>
+          </a:p>
+        </p:txBody>
+      </p:sp>
+    </p:spTree>
+  </p:cSld>
+  <p:clrMapOvr>
+    <a:masterClrMapping/>
+  </p:clrMapOvr>
+</p:sld>
+</file>
+
 <file path=ppt/slides/slide7.xml><?xml version="1.0" encoding="utf-8"?>
 <p:sld xmlns:a="http://schemas.openxmlformats.org/drawingml/2006/main" xmlns:r="http://schemas.openxmlformats.org/officeDocument/2006/relationships" xmlns:p="http://schemas.openxmlformats.org/presentationml/2006/main">
   <p:cSld>
@@ -40325,6 +42505,1791 @@
 </p:sld>
 </file>
 
+<file path=ppt/slides/slide70.xml><?xml version="1.0" encoding="utf-8"?>
+<p:sld xmlns:a="http://schemas.openxmlformats.org/drawingml/2006/main" xmlns:r="http://schemas.openxmlformats.org/officeDocument/2006/relationships" xmlns:p="http://schemas.openxmlformats.org/presentationml/2006/main">
+  <p:cSld>
+    <p:spTree>
+      <p:nvGrpSpPr>
+        <p:cNvPr id="1" name=""/>
+        <p:cNvGrpSpPr/>
+        <p:nvPr/>
+      </p:nvGrpSpPr>
+      <p:grpSpPr>
+        <a:xfrm>
+          <a:off x="0" y="0"/>
+          <a:ext cx="0" cy="0"/>
+          <a:chOff x="0" y="0"/>
+          <a:chExt cx="0" cy="0"/>
+        </a:xfrm>
+      </p:grpSpPr>
+      <p:sp>
+        <p:nvSpPr>
+          <p:cNvPr id="9218" name="Title 1">
+            <a:extLst>
+              <a:ext uri="{FF2B5EF4-FFF2-40B4-BE49-F238E27FC236}">
+                <a16:creationId xmlns:a16="http://schemas.microsoft.com/office/drawing/2014/main" id="{F2924D12-C1A2-407B-B601-BCBEF2AA4AE1}"/>
+              </a:ext>
+            </a:extLst>
+          </p:cNvPr>
+          <p:cNvSpPr>
+            <a:spLocks noGrp="1"/>
+          </p:cNvSpPr>
+          <p:nvPr>
+            <p:ph type="title"/>
+          </p:nvPr>
+        </p:nvSpPr>
+        <p:spPr/>
+        <p:txBody>
+          <a:bodyPr/>
+          <a:lstStyle/>
+          <a:p>
+            <a:r>
+              <a:rPr lang="en-US" altLang="en-US"/>
+              <a:t>Flex-Direction </a:t>
+            </a:r>
+          </a:p>
+        </p:txBody>
+      </p:sp>
+      <p:sp>
+        <p:nvSpPr>
+          <p:cNvPr id="9219" name="Content Placeholder 2">
+            <a:extLst>
+              <a:ext uri="{FF2B5EF4-FFF2-40B4-BE49-F238E27FC236}">
+                <a16:creationId xmlns:a16="http://schemas.microsoft.com/office/drawing/2014/main" id="{F009493B-C269-45EE-8C17-DD12B10C021A}"/>
+              </a:ext>
+            </a:extLst>
+          </p:cNvPr>
+          <p:cNvSpPr>
+            <a:spLocks noGrp="1"/>
+          </p:cNvSpPr>
+          <p:nvPr>
+            <p:ph idx="1"/>
+          </p:nvPr>
+        </p:nvSpPr>
+        <p:spPr/>
+        <p:txBody>
+          <a:bodyPr>
+            <a:normAutofit fontScale="92500" lnSpcReduction="20000"/>
+          </a:bodyPr>
+          <a:lstStyle/>
+          <a:p>
+            <a:r>
+              <a:rPr lang="en-US" altLang="en-US"/>
+              <a:t>Establishes the main-axis, direction for flex items to be placed in the flex container. </a:t>
+            </a:r>
+          </a:p>
+          <a:p>
+            <a:endParaRPr lang="en-US" altLang="en-US"/>
+          </a:p>
+          <a:p>
+            <a:r>
+              <a:rPr lang="en-US" altLang="en-US"/>
+              <a:t>Flex box is a single-direction layout concept. </a:t>
+            </a:r>
+          </a:p>
+          <a:p>
+            <a:pPr lvl="1"/>
+            <a:r>
+              <a:rPr lang="en-US" altLang="en-US" sz="2000"/>
+              <a:t>laying out either in horizontal rows or vertical columns.</a:t>
+            </a:r>
+          </a:p>
+          <a:p>
+            <a:pPr lvl="1"/>
+            <a:r>
+              <a:rPr lang="en-US" altLang="en-US" sz="2000" i="1">
+                <a:solidFill>
+                  <a:srgbClr val="FF0000"/>
+                </a:solidFill>
+              </a:rPr>
+              <a:t>row is the default layout</a:t>
+            </a:r>
+          </a:p>
+          <a:p>
+            <a:endParaRPr lang="en-US" altLang="en-US"/>
+          </a:p>
+          <a:p>
+            <a:r>
+              <a:rPr lang="en-US" altLang="en-US"/>
+              <a:t>row-reverse: right to left in ltr; left to right in rtl</a:t>
+            </a:r>
+          </a:p>
+          <a:p>
+            <a:endParaRPr lang="en-US" altLang="en-US"/>
+          </a:p>
+          <a:p>
+            <a:pPr lvl="1">
+              <a:buFontTx/>
+              <a:buNone/>
+            </a:pPr>
+            <a:r>
+              <a:rPr lang="en-US" altLang="en-US" sz="2000" b="1"/>
+              <a:t>.container { </a:t>
+            </a:r>
+          </a:p>
+          <a:p>
+            <a:pPr lvl="1">
+              <a:buFontTx/>
+              <a:buNone/>
+            </a:pPr>
+            <a:r>
+              <a:rPr lang="en-US" altLang="en-US" sz="2000" b="1">
+                <a:solidFill>
+                  <a:srgbClr val="FF0000"/>
+                </a:solidFill>
+              </a:rPr>
+              <a:t>  flex-direction</a:t>
+            </a:r>
+            <a:r>
+              <a:rPr lang="en-US" altLang="en-US" sz="2000" b="1"/>
+              <a:t>:  row | row-reverse | column | column-reverse; </a:t>
+            </a:r>
+          </a:p>
+          <a:p>
+            <a:pPr lvl="1">
+              <a:buFontTx/>
+              <a:buNone/>
+            </a:pPr>
+            <a:r>
+              <a:rPr lang="en-US" altLang="en-US" sz="2000" b="1"/>
+              <a:t>}</a:t>
+            </a:r>
+          </a:p>
+          <a:p>
+            <a:endParaRPr lang="en-US" altLang="en-US"/>
+          </a:p>
+          <a:p>
+            <a:endParaRPr lang="en-US" altLang="en-US"/>
+          </a:p>
+        </p:txBody>
+      </p:sp>
+    </p:spTree>
+  </p:cSld>
+  <p:clrMapOvr>
+    <a:masterClrMapping/>
+  </p:clrMapOvr>
+</p:sld>
+</file>
+
+<file path=ppt/slides/slide71.xml><?xml version="1.0" encoding="utf-8"?>
+<p:sld xmlns:a="http://schemas.openxmlformats.org/drawingml/2006/main" xmlns:r="http://schemas.openxmlformats.org/officeDocument/2006/relationships" xmlns:p="http://schemas.openxmlformats.org/presentationml/2006/main">
+  <p:cSld>
+    <p:spTree>
+      <p:nvGrpSpPr>
+        <p:cNvPr id="1" name=""/>
+        <p:cNvGrpSpPr/>
+        <p:nvPr/>
+      </p:nvGrpSpPr>
+      <p:grpSpPr>
+        <a:xfrm>
+          <a:off x="0" y="0"/>
+          <a:ext cx="0" cy="0"/>
+          <a:chOff x="0" y="0"/>
+          <a:chExt cx="0" cy="0"/>
+        </a:xfrm>
+      </p:grpSpPr>
+      <p:sp>
+        <p:nvSpPr>
+          <p:cNvPr id="10242" name="Title 1">
+            <a:extLst>
+              <a:ext uri="{FF2B5EF4-FFF2-40B4-BE49-F238E27FC236}">
+                <a16:creationId xmlns:a16="http://schemas.microsoft.com/office/drawing/2014/main" id="{D0794C97-90F4-4169-BEB5-8A4EA79C6881}"/>
+              </a:ext>
+            </a:extLst>
+          </p:cNvPr>
+          <p:cNvSpPr>
+            <a:spLocks noGrp="1"/>
+          </p:cNvSpPr>
+          <p:nvPr>
+            <p:ph type="title"/>
+          </p:nvPr>
+        </p:nvSpPr>
+        <p:spPr/>
+        <p:txBody>
+          <a:bodyPr/>
+          <a:lstStyle/>
+          <a:p>
+            <a:r>
+              <a:rPr lang="en-US" altLang="en-US"/>
+              <a:t>Justify-content</a:t>
+            </a:r>
+          </a:p>
+        </p:txBody>
+      </p:sp>
+      <p:sp>
+        <p:nvSpPr>
+          <p:cNvPr id="10243" name="Content Placeholder 2">
+            <a:extLst>
+              <a:ext uri="{FF2B5EF4-FFF2-40B4-BE49-F238E27FC236}">
+                <a16:creationId xmlns:a16="http://schemas.microsoft.com/office/drawing/2014/main" id="{BE9B8364-8548-486C-9948-F0D83F1328BC}"/>
+              </a:ext>
+            </a:extLst>
+          </p:cNvPr>
+          <p:cNvSpPr>
+            <a:spLocks noGrp="1"/>
+          </p:cNvSpPr>
+          <p:nvPr>
+            <p:ph idx="1"/>
+          </p:nvPr>
+        </p:nvSpPr>
+        <p:spPr/>
+        <p:txBody>
+          <a:bodyPr>
+            <a:normAutofit fontScale="92500" lnSpcReduction="20000"/>
+          </a:bodyPr>
+          <a:lstStyle/>
+          <a:p>
+            <a:r>
+              <a:rPr lang="en-US" altLang="en-US"/>
+              <a:t>Defines the alignment along the main axis. </a:t>
+            </a:r>
+          </a:p>
+          <a:p>
+            <a:endParaRPr lang="en-US" altLang="en-US"/>
+          </a:p>
+          <a:p>
+            <a:r>
+              <a:rPr lang="en-US" altLang="en-US"/>
+              <a:t>Distribute extra free space left over when either all the flex items on a line are inflexible, or are flexible but have reached their maximum size. </a:t>
+            </a:r>
+          </a:p>
+          <a:p>
+            <a:endParaRPr lang="en-US" altLang="en-US"/>
+          </a:p>
+          <a:p>
+            <a:r>
+              <a:rPr lang="en-US" altLang="en-US"/>
+              <a:t>Can also control over the alignment of items when they overflow the line.</a:t>
+            </a:r>
+          </a:p>
+          <a:p>
+            <a:endParaRPr lang="en-US" altLang="en-US"/>
+          </a:p>
+          <a:p>
+            <a:pPr lvl="1">
+              <a:buFont typeface="Times New Roman" panose="02020603050405020304" pitchFamily="18" charset="0"/>
+              <a:buNone/>
+            </a:pPr>
+            <a:r>
+              <a:rPr lang="en-US" altLang="en-US" sz="2000"/>
+              <a:t>.container { </a:t>
+            </a:r>
+          </a:p>
+          <a:p>
+            <a:pPr lvl="1">
+              <a:buFont typeface="Times New Roman" panose="02020603050405020304" pitchFamily="18" charset="0"/>
+              <a:buNone/>
+            </a:pPr>
+            <a:r>
+              <a:rPr lang="en-US" altLang="en-US" sz="2000" b="1">
+                <a:solidFill>
+                  <a:srgbClr val="FF0000"/>
+                </a:solidFill>
+              </a:rPr>
+              <a:t> justify-content</a:t>
+            </a:r>
+            <a:r>
+              <a:rPr lang="en-US" altLang="en-US" sz="2000"/>
+              <a:t>: flex-start | flex-end | center | space-between |  					space-around; </a:t>
+            </a:r>
+          </a:p>
+          <a:p>
+            <a:pPr lvl="1">
+              <a:buFont typeface="Times New Roman" panose="02020603050405020304" pitchFamily="18" charset="0"/>
+              <a:buNone/>
+            </a:pPr>
+            <a:r>
+              <a:rPr lang="en-US" altLang="en-US" sz="2000"/>
+              <a:t>}</a:t>
+            </a:r>
+          </a:p>
+        </p:txBody>
+      </p:sp>
+    </p:spTree>
+  </p:cSld>
+  <p:clrMapOvr>
+    <a:masterClrMapping/>
+  </p:clrMapOvr>
+</p:sld>
+</file>
+
+<file path=ppt/slides/slide72.xml><?xml version="1.0" encoding="utf-8"?>
+<p:sld xmlns:a="http://schemas.openxmlformats.org/drawingml/2006/main" xmlns:r="http://schemas.openxmlformats.org/officeDocument/2006/relationships" xmlns:p="http://schemas.openxmlformats.org/presentationml/2006/main">
+  <p:cSld>
+    <p:spTree>
+      <p:nvGrpSpPr>
+        <p:cNvPr id="1" name=""/>
+        <p:cNvGrpSpPr/>
+        <p:nvPr/>
+      </p:nvGrpSpPr>
+      <p:grpSpPr>
+        <a:xfrm>
+          <a:off x="0" y="0"/>
+          <a:ext cx="0" cy="0"/>
+          <a:chOff x="0" y="0"/>
+          <a:chExt cx="0" cy="0"/>
+        </a:xfrm>
+      </p:grpSpPr>
+      <p:sp>
+        <p:nvSpPr>
+          <p:cNvPr id="11266" name="Title 1">
+            <a:extLst>
+              <a:ext uri="{FF2B5EF4-FFF2-40B4-BE49-F238E27FC236}">
+                <a16:creationId xmlns:a16="http://schemas.microsoft.com/office/drawing/2014/main" id="{410729AC-27C0-4893-99D1-2445936B6FAB}"/>
+              </a:ext>
+            </a:extLst>
+          </p:cNvPr>
+          <p:cNvSpPr>
+            <a:spLocks noGrp="1"/>
+          </p:cNvSpPr>
+          <p:nvPr>
+            <p:ph type="title"/>
+          </p:nvPr>
+        </p:nvSpPr>
+        <p:spPr/>
+        <p:txBody>
+          <a:bodyPr/>
+          <a:lstStyle/>
+          <a:p>
+            <a:r>
+              <a:rPr lang="en-US" altLang="en-US"/>
+              <a:t>Flex Box –Align Items</a:t>
+            </a:r>
+          </a:p>
+        </p:txBody>
+      </p:sp>
+      <p:sp>
+        <p:nvSpPr>
+          <p:cNvPr id="3" name="Content Placeholder 2">
+            <a:extLst>
+              <a:ext uri="{FF2B5EF4-FFF2-40B4-BE49-F238E27FC236}">
+                <a16:creationId xmlns:a16="http://schemas.microsoft.com/office/drawing/2014/main" id="{2E81710A-4D38-489C-862E-79EAE82FA6A6}"/>
+              </a:ext>
+            </a:extLst>
+          </p:cNvPr>
+          <p:cNvSpPr>
+            <a:spLocks noGrp="1"/>
+          </p:cNvSpPr>
+          <p:nvPr>
+            <p:ph idx="1"/>
+          </p:nvPr>
+        </p:nvSpPr>
+        <p:spPr/>
+        <p:txBody>
+          <a:bodyPr/>
+          <a:lstStyle/>
+          <a:p>
+            <a:pPr>
+              <a:defRPr/>
+            </a:pPr>
+            <a:endParaRPr lang="en-US" dirty="0"/>
+          </a:p>
+          <a:p>
+            <a:pPr>
+              <a:defRPr/>
+            </a:pPr>
+            <a:r>
+              <a:rPr lang="en-US" dirty="0"/>
+              <a:t>To Display flex items along the cross axis on the current line. </a:t>
+            </a:r>
+          </a:p>
+          <a:p>
+            <a:pPr>
+              <a:defRPr/>
+            </a:pPr>
+            <a:endParaRPr lang="en-US" dirty="0"/>
+          </a:p>
+          <a:p>
+            <a:pPr>
+              <a:defRPr/>
+            </a:pPr>
+            <a:r>
+              <a:rPr lang="en-US" dirty="0"/>
+              <a:t>Its  justify-content along perpendicular to the main-axis.</a:t>
+            </a:r>
+          </a:p>
+          <a:p>
+            <a:pPr>
+              <a:defRPr/>
+            </a:pPr>
+            <a:endParaRPr lang="en-US" dirty="0"/>
+          </a:p>
+          <a:p>
+            <a:pPr lvl="1">
+              <a:buFontTx/>
+              <a:buNone/>
+              <a:defRPr/>
+            </a:pPr>
+            <a:r>
+              <a:rPr lang="en-US" sz="2000" dirty="0">
+                <a:ea typeface="+mn-ea"/>
+                <a:cs typeface="+mn-cs"/>
+              </a:rPr>
+              <a:t>.container {</a:t>
+            </a:r>
+          </a:p>
+          <a:p>
+            <a:pPr lvl="1">
+              <a:buFontTx/>
+              <a:buNone/>
+              <a:defRPr/>
+            </a:pPr>
+            <a:r>
+              <a:rPr lang="en-US" sz="2000" dirty="0">
+                <a:ea typeface="+mn-ea"/>
+                <a:cs typeface="+mn-cs"/>
+              </a:rPr>
+              <a:t> </a:t>
+            </a:r>
+            <a:r>
+              <a:rPr lang="en-US" sz="2000" b="1" dirty="0">
+                <a:solidFill>
+                  <a:srgbClr val="FF0000"/>
+                </a:solidFill>
+                <a:ea typeface="+mn-ea"/>
+                <a:cs typeface="+mn-cs"/>
+              </a:rPr>
+              <a:t>  align-items</a:t>
+            </a:r>
+            <a:r>
+              <a:rPr lang="en-US" sz="2000" dirty="0">
+                <a:ea typeface="+mn-ea"/>
+                <a:cs typeface="+mn-cs"/>
+              </a:rPr>
+              <a:t>: flex-start | flex-end | center | stretch; </a:t>
+            </a:r>
+          </a:p>
+          <a:p>
+            <a:pPr lvl="1">
+              <a:buFontTx/>
+              <a:buNone/>
+              <a:defRPr/>
+            </a:pPr>
+            <a:r>
+              <a:rPr lang="en-US" sz="2000" dirty="0">
+                <a:ea typeface="+mn-ea"/>
+                <a:cs typeface="+mn-cs"/>
+              </a:rPr>
+              <a:t>}</a:t>
+            </a:r>
+          </a:p>
+          <a:p>
+            <a:pPr>
+              <a:defRPr/>
+            </a:pPr>
+            <a:endParaRPr lang="en-US" dirty="0"/>
+          </a:p>
+        </p:txBody>
+      </p:sp>
+    </p:spTree>
+  </p:cSld>
+  <p:clrMapOvr>
+    <a:masterClrMapping/>
+  </p:clrMapOvr>
+</p:sld>
+</file>
+
+<file path=ppt/slides/slide73.xml><?xml version="1.0" encoding="utf-8"?>
+<p:sld xmlns:a="http://schemas.openxmlformats.org/drawingml/2006/main" xmlns:r="http://schemas.openxmlformats.org/officeDocument/2006/relationships" xmlns:p="http://schemas.openxmlformats.org/presentationml/2006/main">
+  <p:cSld>
+    <p:spTree>
+      <p:nvGrpSpPr>
+        <p:cNvPr id="1" name=""/>
+        <p:cNvGrpSpPr/>
+        <p:nvPr/>
+      </p:nvGrpSpPr>
+      <p:grpSpPr>
+        <a:xfrm>
+          <a:off x="0" y="0"/>
+          <a:ext cx="0" cy="0"/>
+          <a:chOff x="0" y="0"/>
+          <a:chExt cx="0" cy="0"/>
+        </a:xfrm>
+      </p:grpSpPr>
+      <p:sp>
+        <p:nvSpPr>
+          <p:cNvPr id="12290" name="Title 1">
+            <a:extLst>
+              <a:ext uri="{FF2B5EF4-FFF2-40B4-BE49-F238E27FC236}">
+                <a16:creationId xmlns:a16="http://schemas.microsoft.com/office/drawing/2014/main" id="{9659DF46-DC36-4A01-ACB9-769A6A65F5E7}"/>
+              </a:ext>
+            </a:extLst>
+          </p:cNvPr>
+          <p:cNvSpPr>
+            <a:spLocks noGrp="1"/>
+          </p:cNvSpPr>
+          <p:nvPr>
+            <p:ph type="title"/>
+          </p:nvPr>
+        </p:nvSpPr>
+        <p:spPr/>
+        <p:txBody>
+          <a:bodyPr/>
+          <a:lstStyle/>
+          <a:p>
+            <a:r>
+              <a:rPr lang="en-US" altLang="en-US"/>
+              <a:t>Child Elements - Order</a:t>
+            </a:r>
+          </a:p>
+        </p:txBody>
+      </p:sp>
+      <p:sp>
+        <p:nvSpPr>
+          <p:cNvPr id="12291" name="Content Placeholder 2">
+            <a:extLst>
+              <a:ext uri="{FF2B5EF4-FFF2-40B4-BE49-F238E27FC236}">
+                <a16:creationId xmlns:a16="http://schemas.microsoft.com/office/drawing/2014/main" id="{779D5A43-F4FB-440C-A996-D4C058E9C64C}"/>
+              </a:ext>
+            </a:extLst>
+          </p:cNvPr>
+          <p:cNvSpPr>
+            <a:spLocks noGrp="1"/>
+          </p:cNvSpPr>
+          <p:nvPr>
+            <p:ph idx="1"/>
+          </p:nvPr>
+        </p:nvSpPr>
+        <p:spPr/>
+        <p:txBody>
+          <a:bodyPr/>
+          <a:lstStyle/>
+          <a:p>
+            <a:r>
+              <a:rPr lang="en-US" altLang="en-US"/>
+              <a:t>The Flex Model has some properties </a:t>
+            </a:r>
+            <a:r>
+              <a:rPr lang="en-US" altLang="en-US" b="1">
+                <a:solidFill>
+                  <a:srgbClr val="FF0000"/>
+                </a:solidFill>
+              </a:rPr>
+              <a:t>for Child Elements</a:t>
+            </a:r>
+          </a:p>
+          <a:p>
+            <a:endParaRPr lang="en-US" altLang="en-US" b="1" u="sng"/>
+          </a:p>
+          <a:p>
+            <a:r>
+              <a:rPr lang="en-US" altLang="en-US" b="1" u="sng"/>
+              <a:t>Order</a:t>
+            </a:r>
+          </a:p>
+          <a:p>
+            <a:pPr lvl="1"/>
+            <a:r>
+              <a:rPr lang="en-US" altLang="en-US" sz="2000"/>
+              <a:t>By default, flex items are laid out in the source order. </a:t>
+            </a:r>
+          </a:p>
+          <a:p>
+            <a:pPr lvl="1"/>
+            <a:r>
+              <a:rPr lang="en-US" altLang="en-US" sz="2000"/>
+              <a:t>Order property controls the order in which they appear in the flex container.</a:t>
+            </a:r>
+          </a:p>
+          <a:p>
+            <a:endParaRPr lang="en-US" altLang="en-US"/>
+          </a:p>
+          <a:p>
+            <a:r>
+              <a:rPr lang="en-US" altLang="en-US"/>
+              <a:t>.item { </a:t>
+            </a:r>
+            <a:r>
+              <a:rPr lang="en-US" altLang="en-US" b="1">
+                <a:solidFill>
+                  <a:srgbClr val="FF0000"/>
+                </a:solidFill>
+              </a:rPr>
+              <a:t>order</a:t>
+            </a:r>
+            <a:r>
+              <a:rPr lang="en-US" altLang="en-US"/>
+              <a:t>:  2; }</a:t>
+            </a:r>
+          </a:p>
+          <a:p>
+            <a:endParaRPr lang="en-US" altLang="en-US"/>
+          </a:p>
+          <a:p>
+            <a:endParaRPr lang="en-US" altLang="en-US"/>
+          </a:p>
+        </p:txBody>
+      </p:sp>
+    </p:spTree>
+  </p:cSld>
+  <p:clrMapOvr>
+    <a:masterClrMapping/>
+  </p:clrMapOvr>
+</p:sld>
+</file>
+
+<file path=ppt/slides/slide74.xml><?xml version="1.0" encoding="utf-8"?>
+<p:sld xmlns:a="http://schemas.openxmlformats.org/drawingml/2006/main" xmlns:r="http://schemas.openxmlformats.org/officeDocument/2006/relationships" xmlns:p="http://schemas.openxmlformats.org/presentationml/2006/main">
+  <p:cSld>
+    <p:spTree>
+      <p:nvGrpSpPr>
+        <p:cNvPr id="1" name=""/>
+        <p:cNvGrpSpPr/>
+        <p:nvPr/>
+      </p:nvGrpSpPr>
+      <p:grpSpPr>
+        <a:xfrm>
+          <a:off x="0" y="0"/>
+          <a:ext cx="0" cy="0"/>
+          <a:chOff x="0" y="0"/>
+          <a:chExt cx="0" cy="0"/>
+        </a:xfrm>
+      </p:grpSpPr>
+      <p:sp>
+        <p:nvSpPr>
+          <p:cNvPr id="13314" name="Title 1">
+            <a:extLst>
+              <a:ext uri="{FF2B5EF4-FFF2-40B4-BE49-F238E27FC236}">
+                <a16:creationId xmlns:a16="http://schemas.microsoft.com/office/drawing/2014/main" id="{8B0C9954-58D8-447F-AEEB-0ED1A6DAD86A}"/>
+              </a:ext>
+            </a:extLst>
+          </p:cNvPr>
+          <p:cNvSpPr>
+            <a:spLocks noGrp="1"/>
+          </p:cNvSpPr>
+          <p:nvPr>
+            <p:ph type="title"/>
+          </p:nvPr>
+        </p:nvSpPr>
+        <p:spPr/>
+        <p:txBody>
+          <a:bodyPr/>
+          <a:lstStyle/>
+          <a:p>
+            <a:r>
+              <a:rPr lang="en-US" altLang="en-US"/>
+              <a:t>Child Elements – flex-grow</a:t>
+            </a:r>
+          </a:p>
+        </p:txBody>
+      </p:sp>
+      <p:sp>
+        <p:nvSpPr>
+          <p:cNvPr id="3" name="Content Placeholder 2">
+            <a:extLst>
+              <a:ext uri="{FF2B5EF4-FFF2-40B4-BE49-F238E27FC236}">
+                <a16:creationId xmlns:a16="http://schemas.microsoft.com/office/drawing/2014/main" id="{ECBD2D2F-9E7D-4B47-99D1-0D8559A46483}"/>
+              </a:ext>
+            </a:extLst>
+          </p:cNvPr>
+          <p:cNvSpPr>
+            <a:spLocks noGrp="1"/>
+          </p:cNvSpPr>
+          <p:nvPr>
+            <p:ph idx="1"/>
+          </p:nvPr>
+        </p:nvSpPr>
+        <p:spPr/>
+        <p:txBody>
+          <a:bodyPr>
+            <a:normAutofit fontScale="77500" lnSpcReduction="20000"/>
+          </a:bodyPr>
+          <a:lstStyle/>
+          <a:p>
+            <a:pPr>
+              <a:defRPr/>
+            </a:pPr>
+            <a:r>
+              <a:rPr lang="en-US" dirty="0"/>
+              <a:t>Ability of  a flex item to grow if necessary. </a:t>
+            </a:r>
+          </a:p>
+          <a:p>
+            <a:pPr lvl="1">
+              <a:defRPr/>
+            </a:pPr>
+            <a:r>
+              <a:rPr lang="en-US" sz="2000" dirty="0"/>
+              <a:t>To specify the amount  of the available space inside the flex container </a:t>
+            </a:r>
+            <a:r>
+              <a:rPr lang="en-US" sz="2000" b="1" dirty="0">
+                <a:solidFill>
+                  <a:srgbClr val="FF0000"/>
+                </a:solidFill>
+              </a:rPr>
+              <a:t>the item should take up</a:t>
+            </a:r>
+            <a:r>
+              <a:rPr lang="en-US" dirty="0"/>
+              <a:t>.</a:t>
+            </a:r>
+          </a:p>
+          <a:p>
+            <a:pPr>
+              <a:defRPr/>
+            </a:pPr>
+            <a:endParaRPr lang="en-US" dirty="0"/>
+          </a:p>
+          <a:p>
+            <a:pPr>
+              <a:defRPr/>
+            </a:pPr>
+            <a:r>
+              <a:rPr lang="en-US" b="1" dirty="0">
+                <a:solidFill>
+                  <a:srgbClr val="C00000"/>
+                </a:solidFill>
+              </a:rPr>
+              <a:t>flex-grow : 1</a:t>
+            </a:r>
+          </a:p>
+          <a:p>
+            <a:pPr lvl="1">
+              <a:defRPr/>
+            </a:pPr>
+            <a:r>
+              <a:rPr lang="en-US" sz="2000" dirty="0">
+                <a:ea typeface="+mn-ea"/>
+                <a:cs typeface="+mn-cs"/>
+              </a:rPr>
+              <a:t>The space in the container will be distributed equally to all children. </a:t>
+            </a:r>
+          </a:p>
+          <a:p>
+            <a:pPr marL="342900" lvl="1" indent="-342900">
+              <a:buFontTx/>
+              <a:buChar char="•"/>
+              <a:defRPr/>
+            </a:pPr>
+            <a:endParaRPr lang="en-US" sz="2000" b="1" dirty="0">
+              <a:solidFill>
+                <a:srgbClr val="C00000"/>
+              </a:solidFill>
+              <a:ea typeface="+mn-ea"/>
+              <a:cs typeface="+mn-cs"/>
+            </a:endParaRPr>
+          </a:p>
+          <a:p>
+            <a:pPr marL="342900" lvl="1" indent="-342900">
+              <a:buFontTx/>
+              <a:buChar char="•"/>
+              <a:defRPr/>
+            </a:pPr>
+            <a:r>
+              <a:rPr lang="en-US" sz="2000" b="1" dirty="0">
+                <a:solidFill>
+                  <a:srgbClr val="C00000"/>
+                </a:solidFill>
+                <a:ea typeface="+mn-ea"/>
+                <a:cs typeface="+mn-cs"/>
+              </a:rPr>
+              <a:t>flex-grow : 2</a:t>
+            </a:r>
+          </a:p>
+          <a:p>
+            <a:pPr lvl="1">
+              <a:defRPr/>
+            </a:pPr>
+            <a:r>
+              <a:rPr lang="en-US" sz="2000" dirty="0">
+                <a:ea typeface="+mn-ea"/>
+                <a:cs typeface="+mn-cs"/>
+              </a:rPr>
+              <a:t>A Children with a value of 2Child Element would take up twice as much space as the others </a:t>
+            </a:r>
+          </a:p>
+          <a:p>
+            <a:pPr>
+              <a:defRPr/>
+            </a:pPr>
+            <a:endParaRPr lang="en-US" dirty="0"/>
+          </a:p>
+          <a:p>
+            <a:pPr>
+              <a:defRPr/>
+            </a:pPr>
+            <a:r>
+              <a:rPr lang="en-US" dirty="0"/>
+              <a:t>.item {  </a:t>
+            </a:r>
+            <a:r>
+              <a:rPr lang="en-US" b="1" dirty="0">
+                <a:solidFill>
+                  <a:srgbClr val="FF0000"/>
+                </a:solidFill>
+              </a:rPr>
+              <a:t>flex-grow</a:t>
+            </a:r>
+            <a:r>
+              <a:rPr lang="en-US" dirty="0"/>
+              <a:t>: &lt;number&gt;;   /* default 0 */ }</a:t>
+            </a:r>
+          </a:p>
+          <a:p>
+            <a:pPr>
+              <a:buFontTx/>
+              <a:buNone/>
+              <a:defRPr/>
+            </a:pPr>
+            <a:br>
+              <a:rPr lang="en-US" dirty="0"/>
+            </a:br>
+            <a:endParaRPr lang="en-US" dirty="0"/>
+          </a:p>
+        </p:txBody>
+      </p:sp>
+    </p:spTree>
+  </p:cSld>
+  <p:clrMapOvr>
+    <a:masterClrMapping/>
+  </p:clrMapOvr>
+</p:sld>
+</file>
+
+<file path=ppt/slides/slide75.xml><?xml version="1.0" encoding="utf-8"?>
+<p:sld xmlns:a="http://schemas.openxmlformats.org/drawingml/2006/main" xmlns:r="http://schemas.openxmlformats.org/officeDocument/2006/relationships" xmlns:p="http://schemas.openxmlformats.org/presentationml/2006/main">
+  <p:cSld>
+    <p:spTree>
+      <p:nvGrpSpPr>
+        <p:cNvPr id="1" name=""/>
+        <p:cNvGrpSpPr/>
+        <p:nvPr/>
+      </p:nvGrpSpPr>
+      <p:grpSpPr>
+        <a:xfrm>
+          <a:off x="0" y="0"/>
+          <a:ext cx="0" cy="0"/>
+          <a:chOff x="0" y="0"/>
+          <a:chExt cx="0" cy="0"/>
+        </a:xfrm>
+      </p:grpSpPr>
+      <p:sp>
+        <p:nvSpPr>
+          <p:cNvPr id="14338" name="Title 1">
+            <a:extLst>
+              <a:ext uri="{FF2B5EF4-FFF2-40B4-BE49-F238E27FC236}">
+                <a16:creationId xmlns:a16="http://schemas.microsoft.com/office/drawing/2014/main" id="{644D0638-27B5-492B-BCE5-FF4EB402A7F6}"/>
+              </a:ext>
+            </a:extLst>
+          </p:cNvPr>
+          <p:cNvSpPr>
+            <a:spLocks noGrp="1"/>
+          </p:cNvSpPr>
+          <p:nvPr>
+            <p:ph type="title"/>
+          </p:nvPr>
+        </p:nvSpPr>
+        <p:spPr/>
+        <p:txBody>
+          <a:bodyPr/>
+          <a:lstStyle/>
+          <a:p>
+            <a:r>
+              <a:rPr lang="en-US" altLang="en-US"/>
+              <a:t>Flex Box</a:t>
+            </a:r>
+          </a:p>
+        </p:txBody>
+      </p:sp>
+      <p:sp>
+        <p:nvSpPr>
+          <p:cNvPr id="3" name="Content Placeholder 2">
+            <a:extLst>
+              <a:ext uri="{FF2B5EF4-FFF2-40B4-BE49-F238E27FC236}">
+                <a16:creationId xmlns:a16="http://schemas.microsoft.com/office/drawing/2014/main" id="{8C27820E-BB0C-40F8-9CC7-CE645AF56556}"/>
+              </a:ext>
+            </a:extLst>
+          </p:cNvPr>
+          <p:cNvSpPr>
+            <a:spLocks noGrp="1"/>
+          </p:cNvSpPr>
+          <p:nvPr>
+            <p:ph idx="1"/>
+          </p:nvPr>
+        </p:nvSpPr>
+        <p:spPr/>
+        <p:txBody>
+          <a:bodyPr>
+            <a:normAutofit fontScale="92500" lnSpcReduction="20000"/>
+          </a:bodyPr>
+          <a:lstStyle/>
+          <a:p>
+            <a:pPr>
+              <a:defRPr/>
+            </a:pPr>
+            <a:r>
+              <a:rPr lang="en-US" b="1" dirty="0"/>
+              <a:t>flex-basis</a:t>
+            </a:r>
+          </a:p>
+          <a:p>
+            <a:pPr lvl="1">
+              <a:defRPr/>
+            </a:pPr>
+            <a:r>
+              <a:rPr lang="en-US" sz="2000" dirty="0">
+                <a:ea typeface="+mn-ea"/>
+                <a:cs typeface="+mn-cs"/>
+              </a:rPr>
+              <a:t>defines the default size of an element before the remaining space is distributed. </a:t>
+            </a:r>
+          </a:p>
+          <a:p>
+            <a:pPr>
+              <a:defRPr/>
+            </a:pPr>
+            <a:r>
+              <a:rPr lang="en-US" dirty="0">
+                <a:solidFill>
+                  <a:srgbClr val="C00000"/>
+                </a:solidFill>
+              </a:rPr>
+              <a:t>Flex-basis : 0  </a:t>
+            </a:r>
+          </a:p>
+          <a:p>
+            <a:pPr lvl="1">
+              <a:defRPr/>
+            </a:pPr>
+            <a:r>
+              <a:rPr lang="en-US" sz="2000" dirty="0"/>
+              <a:t>the extra space around content isn't factored in. </a:t>
+            </a:r>
+          </a:p>
+          <a:p>
+            <a:pPr>
+              <a:defRPr/>
+            </a:pPr>
+            <a:r>
+              <a:rPr lang="en-US" dirty="0">
+                <a:solidFill>
+                  <a:srgbClr val="C00000"/>
+                </a:solidFill>
+              </a:rPr>
+              <a:t>Flex-basis :auto  </a:t>
+            </a:r>
+          </a:p>
+          <a:p>
+            <a:pPr lvl="1">
+              <a:defRPr/>
+            </a:pPr>
+            <a:r>
+              <a:rPr lang="en-US" sz="2000" dirty="0"/>
+              <a:t>the extra space is distributed based on its flex-grow value</a:t>
+            </a:r>
+          </a:p>
+          <a:p>
+            <a:pPr lvl="1">
+              <a:defRPr/>
+            </a:pPr>
+            <a:endParaRPr lang="en-US" sz="2000" dirty="0">
+              <a:ea typeface="+mn-ea"/>
+              <a:cs typeface="+mn-cs"/>
+            </a:endParaRPr>
+          </a:p>
+          <a:p>
+            <a:pPr>
+              <a:defRPr/>
+            </a:pPr>
+            <a:r>
+              <a:rPr lang="en-US" b="1" dirty="0"/>
+              <a:t>Flex</a:t>
+            </a:r>
+          </a:p>
+          <a:p>
+            <a:pPr lvl="1">
+              <a:defRPr/>
+            </a:pPr>
+            <a:r>
+              <a:rPr lang="en-US" sz="2000" dirty="0">
+                <a:ea typeface="+mn-ea"/>
+                <a:cs typeface="+mn-cs"/>
+              </a:rPr>
+              <a:t>Shorthand for </a:t>
+            </a:r>
+            <a:r>
+              <a:rPr lang="en-US" sz="2000" b="1" dirty="0">
+                <a:solidFill>
+                  <a:srgbClr val="C00000"/>
+                </a:solidFill>
+                <a:ea typeface="+mn-ea"/>
+                <a:cs typeface="+mn-cs"/>
+              </a:rPr>
+              <a:t>flex-grow, flex-shrink and flex-basis</a:t>
+            </a:r>
+            <a:r>
+              <a:rPr lang="en-US" sz="2000" dirty="0">
+                <a:ea typeface="+mn-ea"/>
+                <a:cs typeface="+mn-cs"/>
+              </a:rPr>
+              <a:t> </a:t>
+            </a:r>
+          </a:p>
+          <a:p>
+            <a:pPr lvl="1">
+              <a:defRPr/>
+            </a:pPr>
+            <a:r>
+              <a:rPr lang="en-US" sz="2000" dirty="0">
+                <a:ea typeface="+mn-ea"/>
+                <a:cs typeface="+mn-cs"/>
+              </a:rPr>
+              <a:t>flex-shrink and flex-basis are optional. </a:t>
+            </a:r>
+          </a:p>
+          <a:p>
+            <a:pPr lvl="1">
+              <a:defRPr/>
+            </a:pPr>
+            <a:r>
+              <a:rPr lang="en-US" sz="2000" dirty="0">
+                <a:ea typeface="+mn-ea"/>
+                <a:cs typeface="+mn-cs"/>
+              </a:rPr>
+              <a:t>Default is 0 1 auto.</a:t>
+            </a:r>
+          </a:p>
+          <a:p>
+            <a:pPr lvl="1">
+              <a:defRPr/>
+            </a:pPr>
+            <a:endParaRPr lang="en-US" sz="2000" dirty="0">
+              <a:ea typeface="+mn-ea"/>
+              <a:cs typeface="+mn-cs"/>
+            </a:endParaRPr>
+          </a:p>
+          <a:p>
+            <a:pPr>
+              <a:defRPr/>
+            </a:pPr>
+            <a:endParaRPr lang="en-US" dirty="0"/>
+          </a:p>
+        </p:txBody>
+      </p:sp>
+    </p:spTree>
+  </p:cSld>
+  <p:clrMapOvr>
+    <a:masterClrMapping/>
+  </p:clrMapOvr>
+</p:sld>
+</file>
+
+<file path=ppt/slides/slide76.xml><?xml version="1.0" encoding="utf-8"?>
+<p:sld xmlns:a="http://schemas.openxmlformats.org/drawingml/2006/main" xmlns:r="http://schemas.openxmlformats.org/officeDocument/2006/relationships" xmlns:p="http://schemas.openxmlformats.org/presentationml/2006/main">
+  <p:cSld>
+    <p:spTree>
+      <p:nvGrpSpPr>
+        <p:cNvPr id="1" name=""/>
+        <p:cNvGrpSpPr/>
+        <p:nvPr/>
+      </p:nvGrpSpPr>
+      <p:grpSpPr>
+        <a:xfrm>
+          <a:off x="0" y="0"/>
+          <a:ext cx="0" cy="0"/>
+          <a:chOff x="0" y="0"/>
+          <a:chExt cx="0" cy="0"/>
+        </a:xfrm>
+      </p:grpSpPr>
+      <p:sp>
+        <p:nvSpPr>
+          <p:cNvPr id="15362" name="Title 1">
+            <a:extLst>
+              <a:ext uri="{FF2B5EF4-FFF2-40B4-BE49-F238E27FC236}">
+                <a16:creationId xmlns:a16="http://schemas.microsoft.com/office/drawing/2014/main" id="{63829FF0-CA2B-457C-81E1-2C32CD150CA3}"/>
+              </a:ext>
+            </a:extLst>
+          </p:cNvPr>
+          <p:cNvSpPr>
+            <a:spLocks noGrp="1"/>
+          </p:cNvSpPr>
+          <p:nvPr>
+            <p:ph type="title"/>
+          </p:nvPr>
+        </p:nvSpPr>
+        <p:spPr/>
+        <p:txBody>
+          <a:bodyPr/>
+          <a:lstStyle/>
+          <a:p>
+            <a:r>
+              <a:rPr lang="en-US" altLang="en-US"/>
+              <a:t>Flex-Grow</a:t>
+            </a:r>
+          </a:p>
+        </p:txBody>
+      </p:sp>
+      <p:sp>
+        <p:nvSpPr>
+          <p:cNvPr id="15363" name="Content Placeholder 2">
+            <a:extLst>
+              <a:ext uri="{FF2B5EF4-FFF2-40B4-BE49-F238E27FC236}">
+                <a16:creationId xmlns:a16="http://schemas.microsoft.com/office/drawing/2014/main" id="{2B0CD923-A8EA-40BB-A1D3-5D6B7DC04579}"/>
+              </a:ext>
+            </a:extLst>
+          </p:cNvPr>
+          <p:cNvSpPr>
+            <a:spLocks noGrp="1"/>
+          </p:cNvSpPr>
+          <p:nvPr>
+            <p:ph idx="1"/>
+          </p:nvPr>
+        </p:nvSpPr>
+        <p:spPr>
+          <a:xfrm>
+            <a:off x="1981200" y="762001"/>
+            <a:ext cx="8229600" cy="5364163"/>
+          </a:xfrm>
+        </p:spPr>
+        <p:txBody>
+          <a:bodyPr>
+            <a:normAutofit fontScale="92500" lnSpcReduction="20000"/>
+          </a:bodyPr>
+          <a:lstStyle/>
+          <a:p>
+            <a:pPr lvl="1">
+              <a:buFontTx/>
+              <a:buNone/>
+            </a:pPr>
+            <a:r>
+              <a:rPr lang="en-US" altLang="en-US"/>
+              <a:t>		.container{</a:t>
+            </a:r>
+          </a:p>
+          <a:p>
+            <a:pPr lvl="1">
+              <a:buFontTx/>
+              <a:buNone/>
+            </a:pPr>
+            <a:r>
+              <a:rPr lang="en-US" altLang="en-US"/>
+              <a:t>			width: 90%;</a:t>
+            </a:r>
+          </a:p>
+          <a:p>
+            <a:pPr lvl="1">
+              <a:buFontTx/>
+              <a:buNone/>
+            </a:pPr>
+            <a:r>
+              <a:rPr lang="en-US" altLang="en-US"/>
+              <a:t>			display: flex;</a:t>
+            </a:r>
+          </a:p>
+          <a:p>
+            <a:pPr lvl="1">
+              <a:buFontTx/>
+              <a:buNone/>
+            </a:pPr>
+            <a:r>
+              <a:rPr lang="en-US" altLang="en-US"/>
+              <a:t>			border: 2px solid blue;  	}</a:t>
+            </a:r>
+          </a:p>
+          <a:p>
+            <a:pPr lvl="1">
+              <a:buFontTx/>
+              <a:buNone/>
+            </a:pPr>
+            <a:r>
+              <a:rPr lang="en-US" altLang="en-US"/>
+              <a:t>		.box1{</a:t>
+            </a:r>
+          </a:p>
+          <a:p>
+            <a:pPr lvl="1">
+              <a:buFontTx/>
+              <a:buNone/>
+            </a:pPr>
+            <a:r>
+              <a:rPr lang="en-US" altLang="en-US"/>
+              <a:t>               flex-basis: 0;</a:t>
+            </a:r>
+          </a:p>
+          <a:p>
+            <a:pPr lvl="1">
+              <a:buFontTx/>
+              <a:buNone/>
+            </a:pPr>
+            <a:r>
+              <a:rPr lang="en-US" altLang="en-US"/>
+              <a:t>               flex-grow: 1;  }</a:t>
+            </a:r>
+          </a:p>
+          <a:p>
+            <a:pPr lvl="1">
+              <a:buFontTx/>
+              <a:buNone/>
+            </a:pPr>
+            <a:endParaRPr lang="en-US" altLang="en-US"/>
+          </a:p>
+          <a:p>
+            <a:pPr lvl="1">
+              <a:buFontTx/>
+              <a:buNone/>
+            </a:pPr>
+            <a:r>
+              <a:rPr lang="en-US" altLang="en-US"/>
+              <a:t>		.box2 {</a:t>
+            </a:r>
+          </a:p>
+          <a:p>
+            <a:pPr lvl="1">
+              <a:buFontTx/>
+              <a:buNone/>
+            </a:pPr>
+            <a:r>
+              <a:rPr lang="en-US" altLang="en-US"/>
+              <a:t>               flex-basis: 0;</a:t>
+            </a:r>
+          </a:p>
+          <a:p>
+            <a:pPr lvl="1">
+              <a:buFontTx/>
+              <a:buNone/>
+            </a:pPr>
+            <a:r>
+              <a:rPr lang="en-US" altLang="en-US"/>
+              <a:t>               flex-grow: 2;  }</a:t>
+            </a:r>
+          </a:p>
+          <a:p>
+            <a:pPr lvl="1">
+              <a:buFontTx/>
+              <a:buNone/>
+            </a:pPr>
+            <a:r>
+              <a:rPr lang="en-US" altLang="en-US"/>
+              <a:t>  </a:t>
+            </a:r>
+          </a:p>
+          <a:p>
+            <a:pPr lvl="1">
+              <a:buFontTx/>
+              <a:buNone/>
+            </a:pPr>
+            <a:r>
+              <a:rPr lang="en-US" altLang="en-US"/>
+              <a:t>      .box3{</a:t>
+            </a:r>
+          </a:p>
+          <a:p>
+            <a:pPr lvl="1">
+              <a:buFontTx/>
+              <a:buNone/>
+            </a:pPr>
+            <a:r>
+              <a:rPr lang="en-US" altLang="en-US"/>
+              <a:t>               flex-basis: 0;</a:t>
+            </a:r>
+          </a:p>
+          <a:p>
+            <a:pPr lvl="1">
+              <a:buFontTx/>
+              <a:buNone/>
+            </a:pPr>
+            <a:r>
+              <a:rPr lang="en-US" altLang="en-US"/>
+              <a:t>               flex-grow: 3;   }</a:t>
+            </a:r>
+          </a:p>
+          <a:p>
+            <a:pPr lvl="1">
+              <a:buFontTx/>
+              <a:buNone/>
+            </a:pPr>
+            <a:r>
+              <a:rPr lang="en-US" altLang="en-US"/>
+              <a:t>  </a:t>
+            </a:r>
+          </a:p>
+        </p:txBody>
+      </p:sp>
+    </p:spTree>
+  </p:cSld>
+  <p:clrMapOvr>
+    <a:masterClrMapping/>
+  </p:clrMapOvr>
+</p:sld>
+</file>
+
+<file path=ppt/slides/slide77.xml><?xml version="1.0" encoding="utf-8"?>
+<p:sld xmlns:a="http://schemas.openxmlformats.org/drawingml/2006/main" xmlns:r="http://schemas.openxmlformats.org/officeDocument/2006/relationships" xmlns:p="http://schemas.openxmlformats.org/presentationml/2006/main">
+  <p:cSld>
+    <p:spTree>
+      <p:nvGrpSpPr>
+        <p:cNvPr id="1" name=""/>
+        <p:cNvGrpSpPr/>
+        <p:nvPr/>
+      </p:nvGrpSpPr>
+      <p:grpSpPr>
+        <a:xfrm>
+          <a:off x="0" y="0"/>
+          <a:ext cx="0" cy="0"/>
+          <a:chOff x="0" y="0"/>
+          <a:chExt cx="0" cy="0"/>
+        </a:xfrm>
+      </p:grpSpPr>
+      <p:sp>
+        <p:nvSpPr>
+          <p:cNvPr id="4" name="Title 3">
+            <a:extLst>
+              <a:ext uri="{FF2B5EF4-FFF2-40B4-BE49-F238E27FC236}">
+                <a16:creationId xmlns:a16="http://schemas.microsoft.com/office/drawing/2014/main" id="{864B2438-0B04-4732-B006-FAD3A0D9BCFE}"/>
+              </a:ext>
+            </a:extLst>
+          </p:cNvPr>
+          <p:cNvSpPr>
+            <a:spLocks noGrp="1"/>
+          </p:cNvSpPr>
+          <p:nvPr>
+            <p:ph type="title"/>
+          </p:nvPr>
+        </p:nvSpPr>
+        <p:spPr/>
+        <p:txBody>
+          <a:bodyPr/>
+          <a:lstStyle/>
+          <a:p>
+            <a:pPr>
+              <a:defRPr/>
+            </a:pPr>
+            <a:r>
+              <a:rPr lang="en-US" dirty="0"/>
+              <a:t>Media Queries</a:t>
+            </a:r>
+          </a:p>
+        </p:txBody>
+      </p:sp>
+      <p:sp>
+        <p:nvSpPr>
+          <p:cNvPr id="22531" name="Text Placeholder 4">
+            <a:extLst>
+              <a:ext uri="{FF2B5EF4-FFF2-40B4-BE49-F238E27FC236}">
+                <a16:creationId xmlns:a16="http://schemas.microsoft.com/office/drawing/2014/main" id="{238707AC-3F9D-4949-B7BD-6AF3A25D2AD0}"/>
+              </a:ext>
+            </a:extLst>
+          </p:cNvPr>
+          <p:cNvSpPr>
+            <a:spLocks noGrp="1"/>
+          </p:cNvSpPr>
+          <p:nvPr>
+            <p:ph type="body" idx="1"/>
+          </p:nvPr>
+        </p:nvSpPr>
+        <p:spPr/>
+        <p:txBody>
+          <a:bodyPr/>
+          <a:lstStyle/>
+          <a:p>
+            <a:endParaRPr lang="en-US" altLang="en-US"/>
+          </a:p>
+        </p:txBody>
+      </p:sp>
+    </p:spTree>
+  </p:cSld>
+  <p:clrMapOvr>
+    <a:masterClrMapping/>
+  </p:clrMapOvr>
+</p:sld>
+</file>
+
+<file path=ppt/slides/slide78.xml><?xml version="1.0" encoding="utf-8"?>
+<p:sld xmlns:a="http://schemas.openxmlformats.org/drawingml/2006/main" xmlns:r="http://schemas.openxmlformats.org/officeDocument/2006/relationships" xmlns:p="http://schemas.openxmlformats.org/presentationml/2006/main">
+  <p:cSld>
+    <p:spTree>
+      <p:nvGrpSpPr>
+        <p:cNvPr id="1" name=""/>
+        <p:cNvGrpSpPr/>
+        <p:nvPr/>
+      </p:nvGrpSpPr>
+      <p:grpSpPr>
+        <a:xfrm>
+          <a:off x="0" y="0"/>
+          <a:ext cx="0" cy="0"/>
+          <a:chOff x="0" y="0"/>
+          <a:chExt cx="0" cy="0"/>
+        </a:xfrm>
+      </p:grpSpPr>
+      <p:sp>
+        <p:nvSpPr>
+          <p:cNvPr id="23554" name="Title 3">
+            <a:extLst>
+              <a:ext uri="{FF2B5EF4-FFF2-40B4-BE49-F238E27FC236}">
+                <a16:creationId xmlns:a16="http://schemas.microsoft.com/office/drawing/2014/main" id="{14EE6342-74CE-49E8-95D8-E136E9A2BB1E}"/>
+              </a:ext>
+            </a:extLst>
+          </p:cNvPr>
+          <p:cNvSpPr>
+            <a:spLocks noGrp="1"/>
+          </p:cNvSpPr>
+          <p:nvPr>
+            <p:ph type="title"/>
+          </p:nvPr>
+        </p:nvSpPr>
+        <p:spPr/>
+        <p:txBody>
+          <a:bodyPr/>
+          <a:lstStyle/>
+          <a:p>
+            <a:r>
+              <a:rPr lang="en-US" altLang="en-US" b="1"/>
+              <a:t>Media Queries</a:t>
+            </a:r>
+            <a:br>
+              <a:rPr lang="en-US" altLang="en-US" b="1"/>
+            </a:br>
+            <a:endParaRPr lang="en-US" altLang="en-US"/>
+          </a:p>
+        </p:txBody>
+      </p:sp>
+      <p:sp>
+        <p:nvSpPr>
+          <p:cNvPr id="23555" name="Content Placeholder 4">
+            <a:extLst>
+              <a:ext uri="{FF2B5EF4-FFF2-40B4-BE49-F238E27FC236}">
+                <a16:creationId xmlns:a16="http://schemas.microsoft.com/office/drawing/2014/main" id="{07FA40CC-2316-4820-8EFF-B9EEC22AE7FF}"/>
+              </a:ext>
+            </a:extLst>
+          </p:cNvPr>
+          <p:cNvSpPr>
+            <a:spLocks noGrp="1"/>
+          </p:cNvSpPr>
+          <p:nvPr>
+            <p:ph idx="1"/>
+          </p:nvPr>
+        </p:nvSpPr>
+        <p:spPr/>
+        <p:txBody>
+          <a:bodyPr>
+            <a:normAutofit fontScale="62500" lnSpcReduction="20000"/>
+          </a:bodyPr>
+          <a:lstStyle/>
+          <a:p>
+            <a:r>
+              <a:rPr lang="en-US" altLang="en-US"/>
+              <a:t>A way of specifying different styles for individual browser and device circumstances, the width of the viewport or device orientation </a:t>
+            </a:r>
+          </a:p>
+          <a:p>
+            <a:endParaRPr lang="en-US" altLang="en-US"/>
+          </a:p>
+          <a:p>
+            <a:r>
+              <a:rPr lang="en-US" altLang="en-US"/>
+              <a:t>Common media types include </a:t>
+            </a:r>
+          </a:p>
+          <a:p>
+            <a:pPr lvl="1"/>
+            <a:r>
+              <a:rPr lang="en-US" altLang="en-US" sz="2000"/>
+              <a:t>all, screen, print, tv, and braille.</a:t>
+            </a:r>
+          </a:p>
+          <a:p>
+            <a:pPr lvl="1"/>
+            <a:r>
+              <a:rPr lang="en-US" altLang="en-US" sz="2000"/>
+              <a:t>default the media type to screen.</a:t>
+            </a:r>
+          </a:p>
+          <a:p>
+            <a:pPr lvl="1"/>
+            <a:endParaRPr lang="en-US" altLang="en-US" sz="2000"/>
+          </a:p>
+          <a:p>
+            <a:r>
+              <a:rPr lang="en-US" altLang="en-US"/>
+              <a:t>Some CSS properties are only designed for certain media. </a:t>
+            </a:r>
+          </a:p>
+          <a:p>
+            <a:endParaRPr lang="en-US" altLang="en-US"/>
+          </a:p>
+          <a:p>
+            <a:r>
+              <a:rPr lang="en-US" altLang="en-US"/>
+              <a:t>The font-size property can be used for both screen and print media, but possibly with different values.</a:t>
+            </a:r>
+          </a:p>
+          <a:p>
+            <a:endParaRPr lang="en-US" altLang="en-US"/>
+          </a:p>
+          <a:p>
+            <a:r>
+              <a:rPr lang="en-US" altLang="en-US"/>
+              <a:t>It is necessary to specify that a style sheet, or a set of style rules, applies to certain media types.</a:t>
+            </a:r>
+          </a:p>
+          <a:p>
+            <a:pPr lvl="1"/>
+            <a:endParaRPr lang="en-US" altLang="en-US" sz="2000"/>
+          </a:p>
+          <a:p>
+            <a:pPr>
+              <a:buFontTx/>
+              <a:buNone/>
+            </a:pPr>
+            <a:br>
+              <a:rPr lang="en-US" altLang="en-US"/>
+            </a:br>
+            <a:endParaRPr lang="en-US" altLang="en-US"/>
+          </a:p>
+        </p:txBody>
+      </p:sp>
+    </p:spTree>
+  </p:cSld>
+  <p:clrMapOvr>
+    <a:masterClrMapping/>
+  </p:clrMapOvr>
+</p:sld>
+</file>
+
+<file path=ppt/slides/slide79.xml><?xml version="1.0" encoding="utf-8"?>
+<p:sld xmlns:a="http://schemas.openxmlformats.org/drawingml/2006/main" xmlns:r="http://schemas.openxmlformats.org/officeDocument/2006/relationships" xmlns:p="http://schemas.openxmlformats.org/presentationml/2006/main">
+  <p:cSld>
+    <p:spTree>
+      <p:nvGrpSpPr>
+        <p:cNvPr id="1" name=""/>
+        <p:cNvGrpSpPr/>
+        <p:nvPr/>
+      </p:nvGrpSpPr>
+      <p:grpSpPr>
+        <a:xfrm>
+          <a:off x="0" y="0"/>
+          <a:ext cx="0" cy="0"/>
+          <a:chOff x="0" y="0"/>
+          <a:chExt cx="0" cy="0"/>
+        </a:xfrm>
+      </p:grpSpPr>
+      <p:sp>
+        <p:nvSpPr>
+          <p:cNvPr id="24578" name="Title 1">
+            <a:extLst>
+              <a:ext uri="{FF2B5EF4-FFF2-40B4-BE49-F238E27FC236}">
+                <a16:creationId xmlns:a16="http://schemas.microsoft.com/office/drawing/2014/main" id="{E282B10C-5F62-4F31-8FD5-0B66DE7518F2}"/>
+              </a:ext>
+            </a:extLst>
+          </p:cNvPr>
+          <p:cNvSpPr>
+            <a:spLocks noGrp="1"/>
+          </p:cNvSpPr>
+          <p:nvPr>
+            <p:ph type="title"/>
+          </p:nvPr>
+        </p:nvSpPr>
+        <p:spPr/>
+        <p:txBody>
+          <a:bodyPr/>
+          <a:lstStyle/>
+          <a:p>
+            <a:r>
+              <a:rPr lang="en-US" altLang="en-US"/>
+              <a:t>View Port</a:t>
+            </a:r>
+          </a:p>
+        </p:txBody>
+      </p:sp>
+      <p:sp>
+        <p:nvSpPr>
+          <p:cNvPr id="3" name="Content Placeholder 2">
+            <a:extLst>
+              <a:ext uri="{FF2B5EF4-FFF2-40B4-BE49-F238E27FC236}">
+                <a16:creationId xmlns:a16="http://schemas.microsoft.com/office/drawing/2014/main" id="{AEDCB6C5-961A-4C4A-A481-D1C8268555A0}"/>
+              </a:ext>
+            </a:extLst>
+          </p:cNvPr>
+          <p:cNvSpPr>
+            <a:spLocks noGrp="1"/>
+          </p:cNvSpPr>
+          <p:nvPr>
+            <p:ph idx="1"/>
+          </p:nvPr>
+        </p:nvSpPr>
+        <p:spPr>
+          <a:xfrm>
+            <a:off x="1981200" y="838201"/>
+            <a:ext cx="8229600" cy="5287963"/>
+          </a:xfrm>
+        </p:spPr>
+        <p:txBody>
+          <a:bodyPr>
+            <a:normAutofit lnSpcReduction="10000"/>
+          </a:bodyPr>
+          <a:lstStyle/>
+          <a:p>
+            <a:pPr>
+              <a:defRPr/>
+            </a:pPr>
+            <a:r>
+              <a:rPr lang="en-US" dirty="0"/>
+              <a:t>The </a:t>
+            </a:r>
+            <a:r>
+              <a:rPr lang="en-US" b="1" dirty="0"/>
+              <a:t>viewport</a:t>
+            </a:r>
+            <a:r>
+              <a:rPr lang="en-US" dirty="0"/>
+              <a:t> is the user's visible area of a web page. </a:t>
+            </a:r>
+          </a:p>
+          <a:p>
+            <a:pPr>
+              <a:defRPr/>
+            </a:pPr>
+            <a:r>
+              <a:rPr lang="en-US" dirty="0"/>
+              <a:t>It  varies with the device</a:t>
+            </a:r>
+          </a:p>
+          <a:p>
+            <a:pPr lvl="1">
+              <a:defRPr/>
+            </a:pPr>
+            <a:r>
+              <a:rPr lang="en-US" sz="2000" dirty="0">
+                <a:ea typeface="+mn-ea"/>
+                <a:cs typeface="+mn-cs"/>
+              </a:rPr>
+              <a:t>Smaller on a mobile phone than on a computer screen.</a:t>
+            </a:r>
+          </a:p>
+          <a:p>
+            <a:pPr>
+              <a:defRPr/>
+            </a:pPr>
+            <a:endParaRPr lang="en-US" dirty="0"/>
+          </a:p>
+          <a:p>
+            <a:pPr>
+              <a:defRPr/>
+            </a:pPr>
+            <a:r>
+              <a:rPr lang="en-US" dirty="0"/>
+              <a:t>Set in the Head Section of the HTML Page</a:t>
+            </a:r>
+          </a:p>
+          <a:p>
+            <a:pPr lvl="1">
+              <a:buFontTx/>
+              <a:buNone/>
+              <a:defRPr/>
+            </a:pPr>
+            <a:r>
+              <a:rPr lang="en-US" sz="2000" b="1" dirty="0">
+                <a:solidFill>
+                  <a:srgbClr val="CC3300"/>
+                </a:solidFill>
+                <a:ea typeface="+mn-ea"/>
+                <a:cs typeface="+mn-cs"/>
+              </a:rPr>
+              <a:t>&lt;meta name="viewport" content=""&gt;</a:t>
+            </a:r>
+          </a:p>
+          <a:p>
+            <a:pPr>
+              <a:defRPr/>
+            </a:pPr>
+            <a:endParaRPr lang="en-US" dirty="0"/>
+          </a:p>
+          <a:p>
+            <a:pPr>
+              <a:defRPr/>
+            </a:pPr>
+            <a:r>
+              <a:rPr lang="en-US" b="1" dirty="0">
+                <a:solidFill>
+                  <a:srgbClr val="FF0000"/>
+                </a:solidFill>
+              </a:rPr>
+              <a:t>Content</a:t>
+            </a:r>
+          </a:p>
+          <a:p>
+            <a:pPr lvl="1">
+              <a:defRPr/>
+            </a:pPr>
+            <a:r>
+              <a:rPr lang="en-US" sz="2000" dirty="0">
+                <a:ea typeface="+mn-ea"/>
+                <a:cs typeface="+mn-cs"/>
+              </a:rPr>
+              <a:t>Can enter a set comma delimited values</a:t>
+            </a:r>
+          </a:p>
+          <a:p>
+            <a:pPr lvl="1">
+              <a:defRPr/>
+            </a:pPr>
+            <a:r>
+              <a:rPr lang="en-US" sz="2000" dirty="0">
+                <a:ea typeface="+mn-ea"/>
+                <a:cs typeface="+mn-cs"/>
+              </a:rPr>
+              <a:t>For mobile design can specify the viewport width:</a:t>
+            </a:r>
+          </a:p>
+          <a:p>
+            <a:pPr>
+              <a:defRPr/>
+            </a:pPr>
+            <a:r>
+              <a:rPr lang="en-US" b="1" dirty="0">
+                <a:solidFill>
+                  <a:srgbClr val="FF0000"/>
+                </a:solidFill>
+              </a:rPr>
+              <a:t>Width</a:t>
+            </a:r>
+          </a:p>
+          <a:p>
+            <a:pPr lvl="1">
+              <a:defRPr/>
+            </a:pPr>
+            <a:r>
+              <a:rPr lang="en-US" dirty="0"/>
+              <a:t>The width property controls the size of the viewport. </a:t>
+            </a:r>
+          </a:p>
+          <a:p>
+            <a:pPr lvl="1">
+              <a:buFontTx/>
+              <a:buNone/>
+              <a:defRPr/>
+            </a:pPr>
+            <a:r>
+              <a:rPr lang="en-US" sz="2000" b="1" dirty="0">
+                <a:solidFill>
+                  <a:srgbClr val="CC3300"/>
+                </a:solidFill>
+                <a:ea typeface="+mn-ea"/>
+                <a:cs typeface="+mn-cs"/>
+              </a:rPr>
+              <a:t>&lt;meta name="viewport" content="width=320"&gt;</a:t>
+            </a:r>
+          </a:p>
+          <a:p>
+            <a:pPr lvl="1">
+              <a:defRPr/>
+            </a:pPr>
+            <a:endParaRPr lang="en-US" sz="2000" dirty="0">
+              <a:ea typeface="+mn-ea"/>
+              <a:cs typeface="+mn-cs"/>
+            </a:endParaRPr>
+          </a:p>
+        </p:txBody>
+      </p:sp>
+    </p:spTree>
+  </p:cSld>
+  <p:clrMapOvr>
+    <a:masterClrMapping/>
+  </p:clrMapOvr>
+</p:sld>
+</file>
+
 <file path=ppt/slides/slide8.xml><?xml version="1.0" encoding="utf-8"?>
 <p:sld xmlns:a="http://schemas.openxmlformats.org/drawingml/2006/main" xmlns:r="http://schemas.openxmlformats.org/officeDocument/2006/relationships" xmlns:p="http://schemas.openxmlformats.org/presentationml/2006/main">
   <p:cSld>
@@ -40821,6 +44786,1181 @@
         <p14:creationId xmlns:p14="http://schemas.microsoft.com/office/powerpoint/2010/main" val="1309762990"/>
       </p:ext>
     </p:extLst>
+  </p:cSld>
+  <p:clrMapOvr>
+    <a:masterClrMapping/>
+  </p:clrMapOvr>
+</p:sld>
+</file>
+
+<file path=ppt/slides/slide80.xml><?xml version="1.0" encoding="utf-8"?>
+<p:sld xmlns:a="http://schemas.openxmlformats.org/drawingml/2006/main" xmlns:r="http://schemas.openxmlformats.org/officeDocument/2006/relationships" xmlns:p="http://schemas.openxmlformats.org/presentationml/2006/main">
+  <p:cSld>
+    <p:spTree>
+      <p:nvGrpSpPr>
+        <p:cNvPr id="1" name=""/>
+        <p:cNvGrpSpPr/>
+        <p:nvPr/>
+      </p:nvGrpSpPr>
+      <p:grpSpPr>
+        <a:xfrm>
+          <a:off x="0" y="0"/>
+          <a:ext cx="0" cy="0"/>
+          <a:chOff x="0" y="0"/>
+          <a:chExt cx="0" cy="0"/>
+        </a:xfrm>
+      </p:grpSpPr>
+      <p:sp>
+        <p:nvSpPr>
+          <p:cNvPr id="25602" name="Title 1">
+            <a:extLst>
+              <a:ext uri="{FF2B5EF4-FFF2-40B4-BE49-F238E27FC236}">
+                <a16:creationId xmlns:a16="http://schemas.microsoft.com/office/drawing/2014/main" id="{DFD9E864-5FB7-45C1-8D20-05331FDAC16C}"/>
+              </a:ext>
+            </a:extLst>
+          </p:cNvPr>
+          <p:cNvSpPr>
+            <a:spLocks noGrp="1"/>
+          </p:cNvSpPr>
+          <p:nvPr>
+            <p:ph type="title"/>
+          </p:nvPr>
+        </p:nvSpPr>
+        <p:spPr/>
+        <p:txBody>
+          <a:bodyPr/>
+          <a:lstStyle/>
+          <a:p>
+            <a:r>
+              <a:rPr lang="en-US" altLang="en-US"/>
+              <a:t>View Port</a:t>
+            </a:r>
+          </a:p>
+        </p:txBody>
+      </p:sp>
+      <p:sp>
+        <p:nvSpPr>
+          <p:cNvPr id="3" name="Content Placeholder 2">
+            <a:extLst>
+              <a:ext uri="{FF2B5EF4-FFF2-40B4-BE49-F238E27FC236}">
+                <a16:creationId xmlns:a16="http://schemas.microsoft.com/office/drawing/2014/main" id="{BF2D84FE-7649-4242-9D68-3914096CFEA4}"/>
+              </a:ext>
+            </a:extLst>
+          </p:cNvPr>
+          <p:cNvSpPr>
+            <a:spLocks noGrp="1"/>
+          </p:cNvSpPr>
+          <p:nvPr>
+            <p:ph idx="1"/>
+          </p:nvPr>
+        </p:nvSpPr>
+        <p:spPr/>
+        <p:txBody>
+          <a:bodyPr>
+            <a:normAutofit lnSpcReduction="10000"/>
+          </a:bodyPr>
+          <a:lstStyle/>
+          <a:p>
+            <a:pPr>
+              <a:defRPr/>
+            </a:pPr>
+            <a:r>
+              <a:rPr lang="en-US" b="1" dirty="0">
+                <a:solidFill>
+                  <a:srgbClr val="CC3300"/>
+                </a:solidFill>
+              </a:rPr>
+              <a:t>&lt;meta name="viewport" content="width=device-width"&gt;</a:t>
+            </a:r>
+          </a:p>
+          <a:p>
+            <a:pPr>
+              <a:defRPr/>
+            </a:pPr>
+            <a:endParaRPr lang="en-US" dirty="0"/>
+          </a:p>
+          <a:p>
+            <a:pPr lvl="1">
+              <a:defRPr/>
+            </a:pPr>
+            <a:r>
+              <a:rPr lang="en-US" sz="2000" dirty="0">
+                <a:ea typeface="+mn-ea"/>
+                <a:cs typeface="+mn-cs"/>
+              </a:rPr>
+              <a:t>For flexible layouts viewport width is based on the device</a:t>
+            </a:r>
+          </a:p>
+          <a:p>
+            <a:pPr>
+              <a:defRPr/>
+            </a:pPr>
+            <a:endParaRPr lang="en-US" dirty="0"/>
+          </a:p>
+          <a:p>
+            <a:pPr>
+              <a:defRPr/>
+            </a:pPr>
+            <a:r>
+              <a:rPr lang="en-US" b="1" dirty="0">
+                <a:solidFill>
+                  <a:srgbClr val="CC3300"/>
+                </a:solidFill>
+              </a:rPr>
+              <a:t>&lt;meta name="viewport" content="initial-scale=1"&gt;</a:t>
+            </a:r>
+          </a:p>
+          <a:p>
+            <a:pPr>
+              <a:defRPr/>
+            </a:pPr>
+            <a:endParaRPr lang="en-US" dirty="0"/>
+          </a:p>
+          <a:p>
+            <a:pPr lvl="1">
+              <a:defRPr/>
+            </a:pPr>
+            <a:r>
+              <a:rPr lang="en-US" sz="2000" dirty="0">
+                <a:ea typeface="+mn-ea"/>
+                <a:cs typeface="+mn-cs"/>
+              </a:rPr>
+              <a:t>To make  sure layout will be displayed as intended its set with a zoom level.</a:t>
+            </a:r>
+          </a:p>
+          <a:p>
+            <a:pPr lvl="1">
+              <a:defRPr/>
+            </a:pPr>
+            <a:r>
+              <a:rPr lang="en-US" sz="2000" dirty="0">
+                <a:ea typeface="+mn-ea"/>
+                <a:cs typeface="+mn-cs"/>
+              </a:rPr>
+              <a:t>It will ensure that upon opening layout will be displayed properly at 1:1 scale. </a:t>
+            </a:r>
+          </a:p>
+          <a:p>
+            <a:pPr lvl="1">
+              <a:defRPr/>
+            </a:pPr>
+            <a:r>
+              <a:rPr lang="en-US" sz="2000" dirty="0">
+                <a:ea typeface="+mn-ea"/>
+                <a:cs typeface="+mn-cs"/>
+              </a:rPr>
+              <a:t>No zooming will be applied. </a:t>
+            </a:r>
+          </a:p>
+        </p:txBody>
+      </p:sp>
+    </p:spTree>
+  </p:cSld>
+  <p:clrMapOvr>
+    <a:masterClrMapping/>
+  </p:clrMapOvr>
+</p:sld>
+</file>
+
+<file path=ppt/slides/slide81.xml><?xml version="1.0" encoding="utf-8"?>
+<p:sld xmlns:a="http://schemas.openxmlformats.org/drawingml/2006/main" xmlns:r="http://schemas.openxmlformats.org/officeDocument/2006/relationships" xmlns:p="http://schemas.openxmlformats.org/presentationml/2006/main">
+  <p:cSld>
+    <p:spTree>
+      <p:nvGrpSpPr>
+        <p:cNvPr id="1" name=""/>
+        <p:cNvGrpSpPr/>
+        <p:nvPr/>
+      </p:nvGrpSpPr>
+      <p:grpSpPr>
+        <a:xfrm>
+          <a:off x="0" y="0"/>
+          <a:ext cx="0" cy="0"/>
+          <a:chOff x="0" y="0"/>
+          <a:chExt cx="0" cy="0"/>
+        </a:xfrm>
+      </p:grpSpPr>
+      <p:sp>
+        <p:nvSpPr>
+          <p:cNvPr id="26626" name="Title 1">
+            <a:extLst>
+              <a:ext uri="{FF2B5EF4-FFF2-40B4-BE49-F238E27FC236}">
+                <a16:creationId xmlns:a16="http://schemas.microsoft.com/office/drawing/2014/main" id="{B36C34D4-277F-4714-95AB-D659FA5C1F5A}"/>
+              </a:ext>
+            </a:extLst>
+          </p:cNvPr>
+          <p:cNvSpPr>
+            <a:spLocks noGrp="1"/>
+          </p:cNvSpPr>
+          <p:nvPr>
+            <p:ph type="title"/>
+          </p:nvPr>
+        </p:nvSpPr>
+        <p:spPr/>
+        <p:txBody>
+          <a:bodyPr/>
+          <a:lstStyle/>
+          <a:p>
+            <a:r>
+              <a:rPr lang="en-US" altLang="en-US"/>
+              <a:t>View Port</a:t>
+            </a:r>
+          </a:p>
+        </p:txBody>
+      </p:sp>
+      <p:sp>
+        <p:nvSpPr>
+          <p:cNvPr id="3" name="Content Placeholder 2">
+            <a:extLst>
+              <a:ext uri="{FF2B5EF4-FFF2-40B4-BE49-F238E27FC236}">
+                <a16:creationId xmlns:a16="http://schemas.microsoft.com/office/drawing/2014/main" id="{DCE17E82-42C9-49DB-BA3A-C721DCCB6B5E}"/>
+              </a:ext>
+            </a:extLst>
+          </p:cNvPr>
+          <p:cNvSpPr>
+            <a:spLocks noGrp="1"/>
+          </p:cNvSpPr>
+          <p:nvPr>
+            <p:ph idx="1"/>
+          </p:nvPr>
+        </p:nvSpPr>
+        <p:spPr/>
+        <p:txBody>
+          <a:bodyPr>
+            <a:normAutofit fontScale="85000" lnSpcReduction="20000"/>
+          </a:bodyPr>
+          <a:lstStyle/>
+          <a:p>
+            <a:pPr>
+              <a:defRPr/>
+            </a:pPr>
+            <a:r>
+              <a:rPr lang="en-US" b="1">
+                <a:solidFill>
+                  <a:srgbClr val="CC3300"/>
+                </a:solidFill>
+              </a:rPr>
+              <a:t>&lt;</a:t>
+            </a:r>
+            <a:r>
+              <a:rPr lang="en-US" b="1" dirty="0">
+                <a:solidFill>
+                  <a:srgbClr val="CC3300"/>
+                </a:solidFill>
+              </a:rPr>
+              <a:t>meta name="viewport" content="maximum-scale=1"&gt;</a:t>
+            </a:r>
+          </a:p>
+          <a:p>
+            <a:pPr>
+              <a:defRPr/>
+            </a:pPr>
+            <a:endParaRPr lang="en-US" dirty="0"/>
+          </a:p>
+          <a:p>
+            <a:pPr lvl="1">
+              <a:defRPr/>
+            </a:pPr>
+            <a:r>
+              <a:rPr lang="en-US" sz="2000" dirty="0">
+                <a:ea typeface="+mn-ea"/>
+                <a:cs typeface="+mn-cs"/>
+              </a:rPr>
+              <a:t>Prevent any zooming by the user:</a:t>
+            </a:r>
+          </a:p>
+          <a:p>
+            <a:pPr lvl="1">
+              <a:defRPr/>
+            </a:pPr>
+            <a:r>
+              <a:rPr lang="en-US" sz="2000" dirty="0">
+                <a:ea typeface="+mn-ea"/>
+                <a:cs typeface="+mn-cs"/>
+              </a:rPr>
+              <a:t>Used If there is a genuine need for  preventing zooming </a:t>
+            </a:r>
+          </a:p>
+          <a:p>
+            <a:pPr>
+              <a:defRPr/>
+            </a:pPr>
+            <a:endParaRPr lang="en-US" dirty="0"/>
+          </a:p>
+          <a:p>
+            <a:pPr>
+              <a:buFontTx/>
+              <a:buNone/>
+              <a:defRPr/>
+            </a:pPr>
+            <a:r>
+              <a:rPr lang="en-US" b="1" dirty="0">
+                <a:solidFill>
+                  <a:srgbClr val="CC3300"/>
+                </a:solidFill>
+              </a:rPr>
+              <a:t>&lt;meta name="viewport" content="width=device-width, initial-scale=1“&gt;</a:t>
+            </a:r>
+          </a:p>
+          <a:p>
+            <a:pPr>
+              <a:defRPr/>
+            </a:pPr>
+            <a:endParaRPr lang="en-US" dirty="0"/>
+          </a:p>
+          <a:p>
+            <a:pPr>
+              <a:defRPr/>
+            </a:pPr>
+            <a:r>
+              <a:rPr lang="en-US" dirty="0"/>
+              <a:t>Can combine the values together which can act as default</a:t>
+            </a:r>
+          </a:p>
+          <a:p>
+            <a:pPr>
+              <a:defRPr/>
+            </a:pPr>
+            <a:r>
+              <a:rPr lang="en-US" dirty="0"/>
+              <a:t>Initial-Scale to 1  </a:t>
+            </a:r>
+          </a:p>
+          <a:p>
+            <a:pPr lvl="1">
+              <a:defRPr/>
+            </a:pPr>
+            <a:r>
+              <a:rPr lang="en-US" sz="2000" dirty="0"/>
+              <a:t>initial page zoom  level , on the page load</a:t>
+            </a:r>
+          </a:p>
+          <a:p>
+            <a:pPr lvl="1">
+              <a:defRPr/>
+            </a:pPr>
+            <a:r>
+              <a:rPr lang="en-US" sz="2000" dirty="0"/>
+              <a:t>Can disable zoom completely with use scale= false</a:t>
+            </a:r>
+            <a:endParaRPr lang="en-US" sz="2000" b="1" i="1" dirty="0">
+              <a:solidFill>
+                <a:srgbClr val="00B050"/>
+              </a:solidFill>
+            </a:endParaRPr>
+          </a:p>
+          <a:p>
+            <a:pPr lvl="1">
+              <a:defRPr/>
+            </a:pPr>
+            <a:r>
+              <a:rPr lang="en-US" sz="2000" b="1" i="1" dirty="0">
+                <a:solidFill>
+                  <a:srgbClr val="00B050"/>
+                </a:solidFill>
+              </a:rPr>
+              <a:t>Zoom Works with Mobile and Not in Browsers</a:t>
+            </a:r>
+            <a:endParaRPr lang="en-US" b="1" i="1" dirty="0">
+              <a:solidFill>
+                <a:srgbClr val="00B050"/>
+              </a:solidFill>
+            </a:endParaRPr>
+          </a:p>
+        </p:txBody>
+      </p:sp>
+    </p:spTree>
+  </p:cSld>
+  <p:clrMapOvr>
+    <a:masterClrMapping/>
+  </p:clrMapOvr>
+</p:sld>
+</file>
+
+<file path=ppt/slides/slide82.xml><?xml version="1.0" encoding="utf-8"?>
+<p:sld xmlns:a="http://schemas.openxmlformats.org/drawingml/2006/main" xmlns:r="http://schemas.openxmlformats.org/officeDocument/2006/relationships" xmlns:p="http://schemas.openxmlformats.org/presentationml/2006/main">
+  <p:cSld>
+    <p:spTree>
+      <p:nvGrpSpPr>
+        <p:cNvPr id="1" name=""/>
+        <p:cNvGrpSpPr/>
+        <p:nvPr/>
+      </p:nvGrpSpPr>
+      <p:grpSpPr>
+        <a:xfrm>
+          <a:off x="0" y="0"/>
+          <a:ext cx="0" cy="0"/>
+          <a:chOff x="0" y="0"/>
+          <a:chExt cx="0" cy="0"/>
+        </a:xfrm>
+      </p:grpSpPr>
+      <p:sp>
+        <p:nvSpPr>
+          <p:cNvPr id="27650" name="Title 1">
+            <a:extLst>
+              <a:ext uri="{FF2B5EF4-FFF2-40B4-BE49-F238E27FC236}">
+                <a16:creationId xmlns:a16="http://schemas.microsoft.com/office/drawing/2014/main" id="{F6BE8C9C-AEA6-427A-BC21-A00B81314022}"/>
+              </a:ext>
+            </a:extLst>
+          </p:cNvPr>
+          <p:cNvSpPr>
+            <a:spLocks noGrp="1"/>
+          </p:cNvSpPr>
+          <p:nvPr>
+            <p:ph type="title"/>
+          </p:nvPr>
+        </p:nvSpPr>
+        <p:spPr>
+          <a:xfrm>
+            <a:off x="1905000" y="152401"/>
+            <a:ext cx="8229600" cy="563563"/>
+          </a:xfrm>
+        </p:spPr>
+        <p:txBody>
+          <a:bodyPr/>
+          <a:lstStyle/>
+          <a:p>
+            <a:r>
+              <a:rPr lang="en-US" altLang="en-US"/>
+              <a:t>@View Port</a:t>
+            </a:r>
+          </a:p>
+        </p:txBody>
+      </p:sp>
+      <p:sp>
+        <p:nvSpPr>
+          <p:cNvPr id="3" name="Content Placeholder 2">
+            <a:extLst>
+              <a:ext uri="{FF2B5EF4-FFF2-40B4-BE49-F238E27FC236}">
+                <a16:creationId xmlns:a16="http://schemas.microsoft.com/office/drawing/2014/main" id="{D2EC4D3A-D4BC-415F-A0FE-F3FC423840E6}"/>
+              </a:ext>
+            </a:extLst>
+          </p:cNvPr>
+          <p:cNvSpPr>
+            <a:spLocks noGrp="1"/>
+          </p:cNvSpPr>
+          <p:nvPr>
+            <p:ph idx="1"/>
+          </p:nvPr>
+        </p:nvSpPr>
+        <p:spPr>
+          <a:xfrm>
+            <a:off x="1981200" y="838201"/>
+            <a:ext cx="8229600" cy="5287963"/>
+          </a:xfrm>
+        </p:spPr>
+        <p:txBody>
+          <a:bodyPr>
+            <a:normAutofit fontScale="92500" lnSpcReduction="20000"/>
+          </a:bodyPr>
+          <a:lstStyle/>
+          <a:p>
+            <a:pPr>
+              <a:defRPr/>
+            </a:pPr>
+            <a:r>
+              <a:rPr lang="en-US" dirty="0"/>
+              <a:t>At-rules are special instructions for the CSS parser. </a:t>
+            </a:r>
+          </a:p>
+          <a:p>
+            <a:pPr>
+              <a:defRPr/>
+            </a:pPr>
+            <a:r>
+              <a:rPr lang="en-US" dirty="0"/>
+              <a:t>They are invoked by an at-keyword preceded by an "@" sign. </a:t>
+            </a:r>
+          </a:p>
+          <a:p>
+            <a:pPr>
+              <a:defRPr/>
+            </a:pPr>
+            <a:r>
+              <a:rPr lang="en-US" dirty="0"/>
+              <a:t>Specifies the size, zoom factor, and orientation of the viewport.</a:t>
+            </a:r>
+          </a:p>
+          <a:p>
+            <a:pPr>
+              <a:defRPr/>
+            </a:pPr>
+            <a:endParaRPr lang="en-US" dirty="0"/>
+          </a:p>
+          <a:p>
+            <a:pPr lvl="1">
+              <a:buFontTx/>
+              <a:buNone/>
+              <a:defRPr/>
+            </a:pPr>
+            <a:r>
+              <a:rPr lang="en-US" sz="2000" dirty="0">
+                <a:ea typeface="+mn-ea"/>
+                <a:cs typeface="+mn-cs"/>
+              </a:rPr>
+              <a:t>@viewport{</a:t>
+            </a:r>
+          </a:p>
+          <a:p>
+            <a:pPr lvl="1">
+              <a:buFontTx/>
+              <a:buNone/>
+              <a:defRPr/>
+            </a:pPr>
+            <a:r>
+              <a:rPr lang="en-US" sz="2000" dirty="0">
+                <a:ea typeface="+mn-ea"/>
+                <a:cs typeface="+mn-cs"/>
+              </a:rPr>
+              <a:t>    zoom: 1.0;</a:t>
+            </a:r>
+          </a:p>
+          <a:p>
+            <a:pPr lvl="1">
+              <a:buFontTx/>
+              <a:buNone/>
+              <a:defRPr/>
+            </a:pPr>
+            <a:r>
+              <a:rPr lang="en-US" sz="2000" dirty="0">
+                <a:ea typeface="+mn-ea"/>
+                <a:cs typeface="+mn-cs"/>
+              </a:rPr>
+              <a:t>    width: device-width;</a:t>
+            </a:r>
+          </a:p>
+          <a:p>
+            <a:pPr lvl="1">
+              <a:buFontTx/>
+              <a:buNone/>
+              <a:defRPr/>
+            </a:pPr>
+            <a:r>
+              <a:rPr lang="en-US" sz="2000" dirty="0">
+                <a:ea typeface="+mn-ea"/>
+                <a:cs typeface="+mn-cs"/>
+              </a:rPr>
+              <a:t>}</a:t>
+            </a:r>
+          </a:p>
+          <a:p>
+            <a:pPr lvl="1">
+              <a:buFontTx/>
+              <a:buNone/>
+              <a:defRPr/>
+            </a:pPr>
+            <a:endParaRPr lang="en-US" sz="2000" dirty="0">
+              <a:ea typeface="+mn-ea"/>
+              <a:cs typeface="+mn-cs"/>
+            </a:endParaRPr>
+          </a:p>
+          <a:p>
+            <a:pPr lvl="1">
+              <a:buFontTx/>
+              <a:buNone/>
+              <a:defRPr/>
+            </a:pPr>
+            <a:r>
+              <a:rPr lang="en-US" sz="2000" dirty="0">
+                <a:ea typeface="+mn-ea"/>
+                <a:cs typeface="+mn-cs"/>
+              </a:rPr>
+              <a:t>@viewport{</a:t>
+            </a:r>
+          </a:p>
+          <a:p>
+            <a:pPr lvl="1">
+              <a:buFontTx/>
+              <a:buNone/>
+              <a:defRPr/>
+            </a:pPr>
+            <a:r>
+              <a:rPr lang="en-US" sz="2000" dirty="0">
+                <a:ea typeface="+mn-ea"/>
+                <a:cs typeface="+mn-cs"/>
+              </a:rPr>
+              <a:t>    zoom: 1.0;</a:t>
+            </a:r>
+          </a:p>
+          <a:p>
+            <a:pPr lvl="1">
+              <a:buFontTx/>
+              <a:buNone/>
+              <a:defRPr/>
+            </a:pPr>
+            <a:r>
+              <a:rPr lang="en-US" sz="2000" dirty="0">
+                <a:ea typeface="+mn-ea"/>
+                <a:cs typeface="+mn-cs"/>
+              </a:rPr>
+              <a:t>    width: extend-to-zoom;</a:t>
+            </a:r>
+          </a:p>
+          <a:p>
+            <a:pPr lvl="1">
+              <a:buFontTx/>
+              <a:buNone/>
+              <a:defRPr/>
+            </a:pPr>
+            <a:r>
+              <a:rPr lang="en-US" sz="2000" dirty="0">
+                <a:ea typeface="+mn-ea"/>
+                <a:cs typeface="+mn-cs"/>
+              </a:rPr>
+              <a:t>}</a:t>
+            </a:r>
+          </a:p>
+          <a:p>
+            <a:pPr lvl="1">
+              <a:buFontTx/>
+              <a:buNone/>
+              <a:defRPr/>
+            </a:pPr>
+            <a:br>
+              <a:rPr lang="en-US" sz="2000" dirty="0"/>
+            </a:br>
+            <a:endParaRPr lang="en-US" sz="2000" dirty="0"/>
+          </a:p>
+        </p:txBody>
+      </p:sp>
+    </p:spTree>
+  </p:cSld>
+  <p:clrMapOvr>
+    <a:masterClrMapping/>
+  </p:clrMapOvr>
+</p:sld>
+</file>
+
+<file path=ppt/slides/slide83.xml><?xml version="1.0" encoding="utf-8"?>
+<p:sld xmlns:a="http://schemas.openxmlformats.org/drawingml/2006/main" xmlns:r="http://schemas.openxmlformats.org/officeDocument/2006/relationships" xmlns:p="http://schemas.openxmlformats.org/presentationml/2006/main">
+  <p:cSld>
+    <p:spTree>
+      <p:nvGrpSpPr>
+        <p:cNvPr id="1" name=""/>
+        <p:cNvGrpSpPr/>
+        <p:nvPr/>
+      </p:nvGrpSpPr>
+      <p:grpSpPr>
+        <a:xfrm>
+          <a:off x="0" y="0"/>
+          <a:ext cx="0" cy="0"/>
+          <a:chOff x="0" y="0"/>
+          <a:chExt cx="0" cy="0"/>
+        </a:xfrm>
+      </p:grpSpPr>
+      <p:sp>
+        <p:nvSpPr>
+          <p:cNvPr id="28674" name="Title 1">
+            <a:extLst>
+              <a:ext uri="{FF2B5EF4-FFF2-40B4-BE49-F238E27FC236}">
+                <a16:creationId xmlns:a16="http://schemas.microsoft.com/office/drawing/2014/main" id="{99A2A53E-8699-4B69-9121-9FD409BDD22C}"/>
+              </a:ext>
+            </a:extLst>
+          </p:cNvPr>
+          <p:cNvSpPr>
+            <a:spLocks noGrp="1"/>
+          </p:cNvSpPr>
+          <p:nvPr>
+            <p:ph type="title"/>
+          </p:nvPr>
+        </p:nvSpPr>
+        <p:spPr/>
+        <p:txBody>
+          <a:bodyPr/>
+          <a:lstStyle/>
+          <a:p>
+            <a:r>
+              <a:rPr lang="en-US" altLang="en-US"/>
+              <a:t>Using the @media At-rules</a:t>
+            </a:r>
+          </a:p>
+        </p:txBody>
+      </p:sp>
+      <p:sp>
+        <p:nvSpPr>
+          <p:cNvPr id="28675" name="Content Placeholder 2">
+            <a:extLst>
+              <a:ext uri="{FF2B5EF4-FFF2-40B4-BE49-F238E27FC236}">
+                <a16:creationId xmlns:a16="http://schemas.microsoft.com/office/drawing/2014/main" id="{BB2BB47B-606E-4AD3-8D3F-B216AC319538}"/>
+              </a:ext>
+            </a:extLst>
+          </p:cNvPr>
+          <p:cNvSpPr>
+            <a:spLocks noGrp="1"/>
+          </p:cNvSpPr>
+          <p:nvPr>
+            <p:ph idx="1"/>
+          </p:nvPr>
+        </p:nvSpPr>
+        <p:spPr/>
+        <p:txBody>
+          <a:bodyPr>
+            <a:normAutofit fontScale="85000" lnSpcReduction="10000"/>
+          </a:bodyPr>
+          <a:lstStyle/>
+          <a:p>
+            <a:r>
+              <a:rPr lang="en-US" altLang="en-US"/>
+              <a:t>To define different style rules for different media types in a single style sheet. </a:t>
+            </a:r>
+          </a:p>
+          <a:p>
+            <a:endParaRPr lang="en-US" altLang="en-US"/>
+          </a:p>
+          <a:p>
+            <a:r>
+              <a:rPr lang="en-US" altLang="en-US"/>
+              <a:t>A comma-separated list of media types and the CSS declarations block containing the styles rules for target media.</a:t>
+            </a:r>
+          </a:p>
+          <a:p>
+            <a:endParaRPr lang="en-US" altLang="en-US"/>
+          </a:p>
+          <a:p>
+            <a:pPr lvl="1">
+              <a:buFontTx/>
+              <a:buNone/>
+            </a:pPr>
+            <a:r>
+              <a:rPr lang="en-US" altLang="en-US" sz="2000"/>
+              <a:t>@media screen{</a:t>
+            </a:r>
+          </a:p>
+          <a:p>
+            <a:pPr lvl="1">
+              <a:buFontTx/>
+              <a:buNone/>
+            </a:pPr>
+            <a:r>
+              <a:rPr lang="en-US" altLang="en-US" sz="2000"/>
+              <a:t>    body {</a:t>
+            </a:r>
+          </a:p>
+          <a:p>
+            <a:pPr lvl="1">
+              <a:buFontTx/>
+              <a:buNone/>
+            </a:pPr>
+            <a:r>
+              <a:rPr lang="en-US" altLang="en-US" sz="2000"/>
+              <a:t>        color: #32cd32;</a:t>
+            </a:r>
+          </a:p>
+          <a:p>
+            <a:pPr lvl="1">
+              <a:buFontTx/>
+              <a:buNone/>
+            </a:pPr>
+            <a:r>
+              <a:rPr lang="en-US" altLang="en-US" sz="2000"/>
+              <a:t>        font-family: Arial, sans-serif;</a:t>
+            </a:r>
+          </a:p>
+          <a:p>
+            <a:pPr lvl="1">
+              <a:buFontTx/>
+              <a:buNone/>
+            </a:pPr>
+            <a:r>
+              <a:rPr lang="en-US" altLang="en-US" sz="2000"/>
+              <a:t>        font-size: 14px;</a:t>
+            </a:r>
+          </a:p>
+          <a:p>
+            <a:pPr lvl="1">
+              <a:buFontTx/>
+              <a:buNone/>
+            </a:pPr>
+            <a:r>
+              <a:rPr lang="en-US" altLang="en-US" sz="2000"/>
+              <a:t>    }</a:t>
+            </a:r>
+          </a:p>
+          <a:p>
+            <a:pPr lvl="1">
+              <a:buFontTx/>
+              <a:buNone/>
+            </a:pPr>
+            <a:r>
+              <a:rPr lang="en-US" altLang="en-US" sz="2000"/>
+              <a:t>}</a:t>
+            </a:r>
+          </a:p>
+          <a:p>
+            <a:endParaRPr lang="en-US" altLang="en-US"/>
+          </a:p>
+          <a:p>
+            <a:endParaRPr lang="en-US" altLang="en-US"/>
+          </a:p>
+        </p:txBody>
+      </p:sp>
+    </p:spTree>
+  </p:cSld>
+  <p:clrMapOvr>
+    <a:masterClrMapping/>
+  </p:clrMapOvr>
+</p:sld>
+</file>
+
+<file path=ppt/slides/slide84.xml><?xml version="1.0" encoding="utf-8"?>
+<p:sld xmlns:a="http://schemas.openxmlformats.org/drawingml/2006/main" xmlns:r="http://schemas.openxmlformats.org/officeDocument/2006/relationships" xmlns:p="http://schemas.openxmlformats.org/presentationml/2006/main">
+  <p:cSld>
+    <p:spTree>
+      <p:nvGrpSpPr>
+        <p:cNvPr id="1" name=""/>
+        <p:cNvGrpSpPr/>
+        <p:nvPr/>
+      </p:nvGrpSpPr>
+      <p:grpSpPr>
+        <a:xfrm>
+          <a:off x="0" y="0"/>
+          <a:ext cx="0" cy="0"/>
+          <a:chOff x="0" y="0"/>
+          <a:chExt cx="0" cy="0"/>
+        </a:xfrm>
+      </p:grpSpPr>
+      <p:sp>
+        <p:nvSpPr>
+          <p:cNvPr id="29698" name="Title 1">
+            <a:extLst>
+              <a:ext uri="{FF2B5EF4-FFF2-40B4-BE49-F238E27FC236}">
+                <a16:creationId xmlns:a16="http://schemas.microsoft.com/office/drawing/2014/main" id="{60A01DAF-24AE-4299-981F-89D27495BDC0}"/>
+              </a:ext>
+            </a:extLst>
+          </p:cNvPr>
+          <p:cNvSpPr>
+            <a:spLocks noGrp="1"/>
+          </p:cNvSpPr>
+          <p:nvPr>
+            <p:ph type="title"/>
+          </p:nvPr>
+        </p:nvSpPr>
+        <p:spPr/>
+        <p:txBody>
+          <a:bodyPr/>
+          <a:lstStyle/>
+          <a:p>
+            <a:r>
+              <a:rPr lang="en-US" altLang="en-US"/>
+              <a:t>Using the @media At-rules</a:t>
+            </a:r>
+          </a:p>
+        </p:txBody>
+      </p:sp>
+      <p:sp>
+        <p:nvSpPr>
+          <p:cNvPr id="29699" name="Content Placeholder 2">
+            <a:extLst>
+              <a:ext uri="{FF2B5EF4-FFF2-40B4-BE49-F238E27FC236}">
+                <a16:creationId xmlns:a16="http://schemas.microsoft.com/office/drawing/2014/main" id="{53AC19EC-1BDF-4E6B-9EF7-1F572288E720}"/>
+              </a:ext>
+            </a:extLst>
+          </p:cNvPr>
+          <p:cNvSpPr>
+            <a:spLocks noGrp="1"/>
+          </p:cNvSpPr>
+          <p:nvPr>
+            <p:ph idx="1"/>
+          </p:nvPr>
+        </p:nvSpPr>
+        <p:spPr/>
+        <p:txBody>
+          <a:bodyPr>
+            <a:normAutofit fontScale="85000" lnSpcReduction="20000"/>
+          </a:bodyPr>
+          <a:lstStyle/>
+          <a:p>
+            <a:pPr lvl="1">
+              <a:buFontTx/>
+              <a:buNone/>
+            </a:pPr>
+            <a:r>
+              <a:rPr lang="en-US" altLang="en-US" sz="2000"/>
+              <a:t>@media print {</a:t>
+            </a:r>
+          </a:p>
+          <a:p>
+            <a:pPr lvl="1">
+              <a:buFontTx/>
+              <a:buNone/>
+            </a:pPr>
+            <a:r>
+              <a:rPr lang="en-US" altLang="en-US" sz="2000"/>
+              <a:t>    body {</a:t>
+            </a:r>
+          </a:p>
+          <a:p>
+            <a:pPr lvl="1">
+              <a:buFontTx/>
+              <a:buNone/>
+            </a:pPr>
+            <a:r>
+              <a:rPr lang="en-US" altLang="en-US" sz="2000"/>
+              <a:t>        color: #ff6347;</a:t>
+            </a:r>
+          </a:p>
+          <a:p>
+            <a:pPr lvl="1">
+              <a:buFontTx/>
+              <a:buNone/>
+            </a:pPr>
+            <a:r>
+              <a:rPr lang="en-US" altLang="en-US" sz="2000"/>
+              <a:t>        font-family: Times, serif;</a:t>
+            </a:r>
+          </a:p>
+          <a:p>
+            <a:pPr lvl="1">
+              <a:buFontTx/>
+              <a:buNone/>
+            </a:pPr>
+            <a:r>
+              <a:rPr lang="en-US" altLang="en-US" sz="2000"/>
+              <a:t>        font-size: 12pt;</a:t>
+            </a:r>
+          </a:p>
+          <a:p>
+            <a:pPr lvl="1">
+              <a:buFontTx/>
+              <a:buNone/>
+            </a:pPr>
+            <a:r>
+              <a:rPr lang="en-US" altLang="en-US" sz="2000"/>
+              <a:t>    }</a:t>
+            </a:r>
+          </a:p>
+          <a:p>
+            <a:pPr lvl="1">
+              <a:buFontTx/>
+              <a:buNone/>
+            </a:pPr>
+            <a:r>
+              <a:rPr lang="en-US" altLang="en-US" sz="2000"/>
+              <a:t>}</a:t>
+            </a:r>
+          </a:p>
+          <a:p>
+            <a:pPr lvl="1">
+              <a:buFontTx/>
+              <a:buNone/>
+            </a:pPr>
+            <a:r>
+              <a:rPr lang="en-US" altLang="en-US" sz="2000"/>
+              <a:t>@media screen, print {</a:t>
+            </a:r>
+          </a:p>
+          <a:p>
+            <a:pPr lvl="1">
+              <a:buFontTx/>
+              <a:buNone/>
+            </a:pPr>
+            <a:r>
+              <a:rPr lang="en-US" altLang="en-US" sz="2000"/>
+              <a:t>    body {</a:t>
+            </a:r>
+          </a:p>
+          <a:p>
+            <a:pPr lvl="1">
+              <a:buFontTx/>
+              <a:buNone/>
+            </a:pPr>
+            <a:r>
+              <a:rPr lang="en-US" altLang="en-US" sz="2000"/>
+              <a:t>        line-height: 1.2;</a:t>
+            </a:r>
+          </a:p>
+          <a:p>
+            <a:pPr lvl="1">
+              <a:buFontTx/>
+              <a:buNone/>
+            </a:pPr>
+            <a:r>
+              <a:rPr lang="en-US" altLang="en-US" sz="2000"/>
+              <a:t>    }</a:t>
+            </a:r>
+          </a:p>
+          <a:p>
+            <a:pPr lvl="1">
+              <a:buFontTx/>
+              <a:buNone/>
+            </a:pPr>
+            <a:r>
+              <a:rPr lang="en-US" altLang="en-US" sz="2000"/>
+              <a:t>}</a:t>
+            </a:r>
+          </a:p>
+          <a:p>
+            <a:endParaRPr lang="en-US" altLang="en-US"/>
+          </a:p>
+          <a:p>
+            <a:endParaRPr lang="en-US" altLang="en-US"/>
+          </a:p>
+        </p:txBody>
+      </p:sp>
+    </p:spTree>
+  </p:cSld>
+  <p:clrMapOvr>
+    <a:masterClrMapping/>
+  </p:clrMapOvr>
+</p:sld>
+</file>
+
+<file path=ppt/slides/slide85.xml><?xml version="1.0" encoding="utf-8"?>
+<p:sld xmlns:a="http://schemas.openxmlformats.org/drawingml/2006/main" xmlns:r="http://schemas.openxmlformats.org/officeDocument/2006/relationships" xmlns:p="http://schemas.openxmlformats.org/presentationml/2006/main">
+  <p:cSld>
+    <p:spTree>
+      <p:nvGrpSpPr>
+        <p:cNvPr id="1" name=""/>
+        <p:cNvGrpSpPr/>
+        <p:nvPr/>
+      </p:nvGrpSpPr>
+      <p:grpSpPr>
+        <a:xfrm>
+          <a:off x="0" y="0"/>
+          <a:ext cx="0" cy="0"/>
+          <a:chOff x="0" y="0"/>
+          <a:chExt cx="0" cy="0"/>
+        </a:xfrm>
+      </p:grpSpPr>
+      <p:sp>
+        <p:nvSpPr>
+          <p:cNvPr id="30722" name="Title 1">
+            <a:extLst>
+              <a:ext uri="{FF2B5EF4-FFF2-40B4-BE49-F238E27FC236}">
+                <a16:creationId xmlns:a16="http://schemas.microsoft.com/office/drawing/2014/main" id="{80A5D082-1BA9-4FF8-B5A0-C4D2C97DE2EF}"/>
+              </a:ext>
+            </a:extLst>
+          </p:cNvPr>
+          <p:cNvSpPr>
+            <a:spLocks noGrp="1"/>
+          </p:cNvSpPr>
+          <p:nvPr>
+            <p:ph type="title"/>
+          </p:nvPr>
+        </p:nvSpPr>
+        <p:spPr/>
+        <p:txBody>
+          <a:bodyPr/>
+          <a:lstStyle/>
+          <a:p>
+            <a:r>
+              <a:rPr lang="en-US" altLang="en-US"/>
+              <a:t>Using the @import At-rules</a:t>
+            </a:r>
+          </a:p>
+        </p:txBody>
+      </p:sp>
+      <p:sp>
+        <p:nvSpPr>
+          <p:cNvPr id="30723" name="Content Placeholder 2">
+            <a:extLst>
+              <a:ext uri="{FF2B5EF4-FFF2-40B4-BE49-F238E27FC236}">
+                <a16:creationId xmlns:a16="http://schemas.microsoft.com/office/drawing/2014/main" id="{907507FC-CC95-4985-846F-1B1F4911B2B8}"/>
+              </a:ext>
+            </a:extLst>
+          </p:cNvPr>
+          <p:cNvSpPr>
+            <a:spLocks noGrp="1"/>
+          </p:cNvSpPr>
+          <p:nvPr>
+            <p:ph idx="1"/>
+          </p:nvPr>
+        </p:nvSpPr>
+        <p:spPr/>
+        <p:txBody>
+          <a:bodyPr>
+            <a:normAutofit fontScale="70000" lnSpcReduction="20000"/>
+          </a:bodyPr>
+          <a:lstStyle/>
+          <a:p>
+            <a:r>
+              <a:rPr lang="en-US" altLang="en-US"/>
+              <a:t>Instructs the browser to load an external style sheet and use its styles only for print media.</a:t>
+            </a:r>
+          </a:p>
+          <a:p>
+            <a:endParaRPr lang="en-US" altLang="en-US"/>
+          </a:p>
+          <a:p>
+            <a:r>
+              <a:rPr lang="en-US" altLang="en-US"/>
+              <a:t>Must occur at the beginning of a style sheet</a:t>
+            </a:r>
+          </a:p>
+          <a:p>
+            <a:endParaRPr lang="en-US" altLang="en-US"/>
+          </a:p>
+          <a:p>
+            <a:r>
+              <a:rPr lang="en-US" altLang="en-US"/>
+              <a:t>Any style rule specified in the style sheet itself override the conflicting style rules in the imported style sheets.</a:t>
+            </a:r>
+          </a:p>
+          <a:p>
+            <a:endParaRPr lang="en-US" altLang="en-US"/>
+          </a:p>
+          <a:p>
+            <a:r>
+              <a:rPr lang="en-US" altLang="en-US"/>
+              <a:t>@import url("css/screen.css") screen;</a:t>
+            </a:r>
+          </a:p>
+          <a:p>
+            <a:r>
+              <a:rPr lang="en-US" altLang="en-US"/>
+              <a:t>@import url("css/print.css") print;</a:t>
+            </a:r>
+          </a:p>
+          <a:p>
+            <a:pPr lvl="1">
+              <a:buFontTx/>
+              <a:buNone/>
+            </a:pPr>
+            <a:endParaRPr lang="en-US" altLang="en-US" sz="2000"/>
+          </a:p>
+          <a:p>
+            <a:pPr lvl="1">
+              <a:buFontTx/>
+              <a:buNone/>
+            </a:pPr>
+            <a:r>
+              <a:rPr lang="en-US" altLang="en-US" sz="2000"/>
+              <a:t>body {</a:t>
+            </a:r>
+          </a:p>
+          <a:p>
+            <a:pPr lvl="1">
+              <a:buFontTx/>
+              <a:buNone/>
+            </a:pPr>
+            <a:r>
+              <a:rPr lang="en-US" altLang="en-US" sz="2000"/>
+              <a:t>    background: #f5f5f5;</a:t>
+            </a:r>
+          </a:p>
+          <a:p>
+            <a:pPr lvl="1">
+              <a:buFontTx/>
+              <a:buNone/>
+            </a:pPr>
+            <a:r>
+              <a:rPr lang="en-US" altLang="en-US" sz="2000"/>
+              <a:t>    line-height: 1.2;</a:t>
+            </a:r>
+          </a:p>
+          <a:p>
+            <a:pPr lvl="1">
+              <a:buFontTx/>
+              <a:buNone/>
+            </a:pPr>
+            <a:r>
+              <a:rPr lang="en-US" altLang="en-US" sz="2000"/>
+              <a:t>}</a:t>
+            </a:r>
+            <a:endParaRPr lang="en-US" altLang="en-US"/>
+          </a:p>
+        </p:txBody>
+      </p:sp>
+    </p:spTree>
   </p:cSld>
   <p:clrMapOvr>
     <a:masterClrMapping/>
